--- a/docs/static/Präsentation.pptx
+++ b/docs/static/Präsentation.pptx
@@ -5,7 +5,7 @@
     <p:sldMasterId id="2147483648" r:id="rId1"/>
   </p:sldMasterIdLst>
   <p:notesMasterIdLst>
-    <p:notesMasterId r:id="rId16"/>
+    <p:notesMasterId r:id="rId20"/>
   </p:notesMasterIdLst>
   <p:sldIdLst>
     <p:sldId id="270" r:id="rId2"/>
@@ -16,12 +16,16 @@
     <p:sldId id="265" r:id="rId7"/>
     <p:sldId id="274" r:id="rId8"/>
     <p:sldId id="279" r:id="rId9"/>
-    <p:sldId id="283" r:id="rId10"/>
-    <p:sldId id="275" r:id="rId11"/>
-    <p:sldId id="281" r:id="rId12"/>
-    <p:sldId id="282" r:id="rId13"/>
-    <p:sldId id="284" r:id="rId14"/>
-    <p:sldId id="285" r:id="rId15"/>
+    <p:sldId id="286" r:id="rId10"/>
+    <p:sldId id="287" r:id="rId11"/>
+    <p:sldId id="289" r:id="rId12"/>
+    <p:sldId id="283" r:id="rId13"/>
+    <p:sldId id="275" r:id="rId14"/>
+    <p:sldId id="281" r:id="rId15"/>
+    <p:sldId id="290" r:id="rId16"/>
+    <p:sldId id="282" r:id="rId17"/>
+    <p:sldId id="284" r:id="rId18"/>
+    <p:sldId id="285" r:id="rId19"/>
   </p:sldIdLst>
   <p:sldSz cx="12192000" cy="6858000"/>
   <p:notesSz cx="6858000" cy="9144000"/>
@@ -128,6 +132,3349 @@
 </p:presentation>
 </file>
 
+<file path=ppt/revisionInfo.xml><?xml version="1.0" encoding="utf-8"?>
+<p1510:revInfo xmlns:a="http://schemas.openxmlformats.org/drawingml/2006/main" xmlns:r="http://schemas.openxmlformats.org/officeDocument/2006/relationships" xmlns:p1510="http://schemas.microsoft.com/office/powerpoint/2015/10/main"/>
+</file>
+
+<file path=ppt/diagrams/colors1.xml><?xml version="1.0" encoding="utf-8"?>
+<dgm:colorsDef xmlns:dgm="http://schemas.openxmlformats.org/drawingml/2006/diagram" xmlns:a="http://schemas.openxmlformats.org/drawingml/2006/main" uniqueId="urn:microsoft.com/office/officeart/2005/8/colors/accent3_4">
+  <dgm:title val=""/>
+  <dgm:desc val=""/>
+  <dgm:catLst>
+    <dgm:cat type="accent3" pri="11400"/>
+  </dgm:catLst>
+  <dgm:styleLbl name="node0">
+    <dgm:fillClrLst meth="cycle">
+      <a:schemeClr val="accent3">
+        <a:shade val="60000"/>
+      </a:schemeClr>
+    </dgm:fillClrLst>
+    <dgm:linClrLst meth="repeat">
+      <a:schemeClr val="lt1"/>
+    </dgm:linClrLst>
+    <dgm:effectClrLst/>
+    <dgm:txLinClrLst/>
+    <dgm:txFillClrLst/>
+    <dgm:txEffectClrLst/>
+  </dgm:styleLbl>
+  <dgm:styleLbl name="node1">
+    <dgm:fillClrLst meth="cycle">
+      <a:schemeClr val="accent3">
+        <a:shade val="50000"/>
+      </a:schemeClr>
+      <a:schemeClr val="accent3">
+        <a:tint val="55000"/>
+      </a:schemeClr>
+    </dgm:fillClrLst>
+    <dgm:linClrLst meth="repeat">
+      <a:schemeClr val="lt1"/>
+    </dgm:linClrLst>
+    <dgm:effectClrLst/>
+    <dgm:txLinClrLst/>
+    <dgm:txFillClrLst/>
+    <dgm:txEffectClrLst/>
+  </dgm:styleLbl>
+  <dgm:styleLbl name="alignNode1">
+    <dgm:fillClrLst meth="cycle">
+      <a:schemeClr val="accent3">
+        <a:shade val="50000"/>
+      </a:schemeClr>
+      <a:schemeClr val="accent3">
+        <a:tint val="55000"/>
+      </a:schemeClr>
+    </dgm:fillClrLst>
+    <dgm:linClrLst meth="cycle">
+      <a:schemeClr val="accent3">
+        <a:shade val="50000"/>
+      </a:schemeClr>
+      <a:schemeClr val="accent3">
+        <a:tint val="55000"/>
+      </a:schemeClr>
+    </dgm:linClrLst>
+    <dgm:effectClrLst/>
+    <dgm:txLinClrLst/>
+    <dgm:txFillClrLst/>
+    <dgm:txEffectClrLst/>
+  </dgm:styleLbl>
+  <dgm:styleLbl name="lnNode1">
+    <dgm:fillClrLst meth="cycle">
+      <a:schemeClr val="accent3">
+        <a:shade val="50000"/>
+      </a:schemeClr>
+      <a:schemeClr val="accent3">
+        <a:tint val="55000"/>
+      </a:schemeClr>
+    </dgm:fillClrLst>
+    <dgm:linClrLst meth="repeat">
+      <a:schemeClr val="lt1"/>
+    </dgm:linClrLst>
+    <dgm:effectClrLst/>
+    <dgm:txLinClrLst/>
+    <dgm:txFillClrLst/>
+    <dgm:txEffectClrLst/>
+  </dgm:styleLbl>
+  <dgm:styleLbl name="vennNode1">
+    <dgm:fillClrLst meth="cycle">
+      <a:schemeClr val="accent3">
+        <a:shade val="80000"/>
+        <a:alpha val="50000"/>
+      </a:schemeClr>
+      <a:schemeClr val="accent3">
+        <a:tint val="50000"/>
+        <a:alpha val="50000"/>
+      </a:schemeClr>
+    </dgm:fillClrLst>
+    <dgm:linClrLst meth="repeat">
+      <a:schemeClr val="lt1"/>
+    </dgm:linClrLst>
+    <dgm:effectClrLst/>
+    <dgm:txLinClrLst/>
+    <dgm:txFillClrLst/>
+    <dgm:txEffectClrLst/>
+  </dgm:styleLbl>
+  <dgm:styleLbl name="node2">
+    <dgm:fillClrLst>
+      <a:schemeClr val="accent3">
+        <a:shade val="80000"/>
+      </a:schemeClr>
+    </dgm:fillClrLst>
+    <dgm:linClrLst meth="repeat">
+      <a:schemeClr val="lt1"/>
+    </dgm:linClrLst>
+    <dgm:effectClrLst/>
+    <dgm:txLinClrLst/>
+    <dgm:txFillClrLst/>
+    <dgm:txEffectClrLst/>
+  </dgm:styleLbl>
+  <dgm:styleLbl name="node3">
+    <dgm:fillClrLst>
+      <a:schemeClr val="accent3">
+        <a:tint val="99000"/>
+      </a:schemeClr>
+    </dgm:fillClrLst>
+    <dgm:linClrLst meth="repeat">
+      <a:schemeClr val="lt1"/>
+    </dgm:linClrLst>
+    <dgm:effectClrLst/>
+    <dgm:txLinClrLst/>
+    <dgm:txFillClrLst/>
+    <dgm:txEffectClrLst/>
+  </dgm:styleLbl>
+  <dgm:styleLbl name="node4">
+    <dgm:fillClrLst>
+      <a:schemeClr val="accent3">
+        <a:tint val="70000"/>
+      </a:schemeClr>
+    </dgm:fillClrLst>
+    <dgm:linClrLst meth="repeat">
+      <a:schemeClr val="lt1"/>
+    </dgm:linClrLst>
+    <dgm:effectClrLst/>
+    <dgm:txLinClrLst/>
+    <dgm:txFillClrLst/>
+    <dgm:txEffectClrLst/>
+  </dgm:styleLbl>
+  <dgm:styleLbl name="fgImgPlace1">
+    <dgm:fillClrLst>
+      <a:schemeClr val="accent3">
+        <a:tint val="50000"/>
+      </a:schemeClr>
+      <a:schemeClr val="accent3">
+        <a:tint val="55000"/>
+      </a:schemeClr>
+    </dgm:fillClrLst>
+    <dgm:linClrLst meth="repeat">
+      <a:schemeClr val="lt1"/>
+    </dgm:linClrLst>
+    <dgm:effectClrLst/>
+    <dgm:txLinClrLst/>
+    <dgm:txFillClrLst meth="repeat">
+      <a:schemeClr val="lt1"/>
+    </dgm:txFillClrLst>
+    <dgm:txEffectClrLst/>
+  </dgm:styleLbl>
+  <dgm:styleLbl name="alignImgPlace1">
+    <dgm:fillClrLst>
+      <a:schemeClr val="accent3">
+        <a:tint val="50000"/>
+      </a:schemeClr>
+      <a:schemeClr val="accent3">
+        <a:tint val="55000"/>
+      </a:schemeClr>
+    </dgm:fillClrLst>
+    <dgm:linClrLst meth="repeat">
+      <a:schemeClr val="lt1"/>
+    </dgm:linClrLst>
+    <dgm:effectClrLst/>
+    <dgm:txLinClrLst/>
+    <dgm:txFillClrLst meth="repeat">
+      <a:schemeClr val="lt1"/>
+    </dgm:txFillClrLst>
+    <dgm:txEffectClrLst/>
+  </dgm:styleLbl>
+  <dgm:styleLbl name="bgImgPlace1">
+    <dgm:fillClrLst>
+      <a:schemeClr val="accent3">
+        <a:tint val="50000"/>
+      </a:schemeClr>
+      <a:schemeClr val="accent3">
+        <a:tint val="55000"/>
+      </a:schemeClr>
+    </dgm:fillClrLst>
+    <dgm:linClrLst meth="repeat">
+      <a:schemeClr val="lt1"/>
+    </dgm:linClrLst>
+    <dgm:effectClrLst/>
+    <dgm:txLinClrLst/>
+    <dgm:txFillClrLst meth="repeat">
+      <a:schemeClr val="lt1"/>
+    </dgm:txFillClrLst>
+    <dgm:txEffectClrLst/>
+  </dgm:styleLbl>
+  <dgm:styleLbl name="sibTrans2D1">
+    <dgm:fillClrLst meth="cycle">
+      <a:schemeClr val="accent3">
+        <a:shade val="90000"/>
+      </a:schemeClr>
+      <a:schemeClr val="accent3">
+        <a:tint val="50000"/>
+      </a:schemeClr>
+    </dgm:fillClrLst>
+    <dgm:linClrLst meth="cycle">
+      <a:schemeClr val="accent3">
+        <a:shade val="90000"/>
+      </a:schemeClr>
+      <a:schemeClr val="accent3">
+        <a:tint val="50000"/>
+      </a:schemeClr>
+    </dgm:linClrLst>
+    <dgm:effectClrLst/>
+    <dgm:txLinClrLst/>
+    <dgm:txFillClrLst/>
+    <dgm:txEffectClrLst/>
+  </dgm:styleLbl>
+  <dgm:styleLbl name="fgSibTrans2D1">
+    <dgm:fillClrLst meth="cycle">
+      <a:schemeClr val="accent3">
+        <a:shade val="90000"/>
+      </a:schemeClr>
+      <a:schemeClr val="accent3">
+        <a:tint val="50000"/>
+      </a:schemeClr>
+    </dgm:fillClrLst>
+    <dgm:linClrLst meth="cycle">
+      <a:schemeClr val="accent3">
+        <a:shade val="90000"/>
+      </a:schemeClr>
+      <a:schemeClr val="accent3">
+        <a:tint val="50000"/>
+      </a:schemeClr>
+    </dgm:linClrLst>
+    <dgm:effectClrLst/>
+    <dgm:txLinClrLst/>
+    <dgm:txFillClrLst/>
+    <dgm:txEffectClrLst/>
+  </dgm:styleLbl>
+  <dgm:styleLbl name="bgSibTrans2D1">
+    <dgm:fillClrLst meth="cycle">
+      <a:schemeClr val="accent3">
+        <a:shade val="90000"/>
+      </a:schemeClr>
+      <a:schemeClr val="accent3">
+        <a:tint val="50000"/>
+      </a:schemeClr>
+    </dgm:fillClrLst>
+    <dgm:linClrLst meth="cycle">
+      <a:schemeClr val="accent3">
+        <a:shade val="90000"/>
+      </a:schemeClr>
+      <a:schemeClr val="accent3">
+        <a:tint val="50000"/>
+      </a:schemeClr>
+    </dgm:linClrLst>
+    <dgm:effectClrLst/>
+    <dgm:txLinClrLst/>
+    <dgm:txFillClrLst/>
+    <dgm:txEffectClrLst/>
+  </dgm:styleLbl>
+  <dgm:styleLbl name="sibTrans1D1">
+    <dgm:fillClrLst meth="cycle">
+      <a:schemeClr val="accent3">
+        <a:shade val="90000"/>
+      </a:schemeClr>
+      <a:schemeClr val="accent3">
+        <a:tint val="50000"/>
+      </a:schemeClr>
+    </dgm:fillClrLst>
+    <dgm:linClrLst meth="cycle">
+      <a:schemeClr val="accent3">
+        <a:shade val="90000"/>
+      </a:schemeClr>
+      <a:schemeClr val="accent3">
+        <a:tint val="50000"/>
+      </a:schemeClr>
+    </dgm:linClrLst>
+    <dgm:effectClrLst/>
+    <dgm:txLinClrLst/>
+    <dgm:txFillClrLst meth="repeat">
+      <a:schemeClr val="tx1"/>
+    </dgm:txFillClrLst>
+    <dgm:txEffectClrLst/>
+  </dgm:styleLbl>
+  <dgm:styleLbl name="callout">
+    <dgm:fillClrLst meth="repeat">
+      <a:schemeClr val="accent3"/>
+    </dgm:fillClrLst>
+    <dgm:linClrLst meth="repeat">
+      <a:schemeClr val="accent3"/>
+    </dgm:linClrLst>
+    <dgm:effectClrLst/>
+    <dgm:txLinClrLst/>
+    <dgm:txFillClrLst meth="repeat">
+      <a:schemeClr val="tx1"/>
+    </dgm:txFillClrLst>
+    <dgm:txEffectClrLst/>
+  </dgm:styleLbl>
+  <dgm:styleLbl name="asst0">
+    <dgm:fillClrLst meth="repeat">
+      <a:schemeClr val="accent3">
+        <a:shade val="80000"/>
+      </a:schemeClr>
+    </dgm:fillClrLst>
+    <dgm:linClrLst meth="repeat">
+      <a:schemeClr val="lt1"/>
+    </dgm:linClrLst>
+    <dgm:effectClrLst/>
+    <dgm:txLinClrLst/>
+    <dgm:txFillClrLst/>
+    <dgm:txEffectClrLst/>
+  </dgm:styleLbl>
+  <dgm:styleLbl name="asst1">
+    <dgm:fillClrLst meth="repeat">
+      <a:schemeClr val="accent3">
+        <a:shade val="80000"/>
+      </a:schemeClr>
+    </dgm:fillClrLst>
+    <dgm:linClrLst meth="repeat">
+      <a:schemeClr val="lt1"/>
+    </dgm:linClrLst>
+    <dgm:effectClrLst/>
+    <dgm:txLinClrLst/>
+    <dgm:txFillClrLst/>
+    <dgm:txEffectClrLst/>
+  </dgm:styleLbl>
+  <dgm:styleLbl name="asst2">
+    <dgm:fillClrLst>
+      <a:schemeClr val="accent3">
+        <a:tint val="90000"/>
+      </a:schemeClr>
+    </dgm:fillClrLst>
+    <dgm:linClrLst meth="repeat">
+      <a:schemeClr val="lt1"/>
+    </dgm:linClrLst>
+    <dgm:effectClrLst/>
+    <dgm:txLinClrLst/>
+    <dgm:txFillClrLst/>
+    <dgm:txEffectClrLst/>
+  </dgm:styleLbl>
+  <dgm:styleLbl name="asst3">
+    <dgm:fillClrLst>
+      <a:schemeClr val="accent3">
+        <a:tint val="70000"/>
+      </a:schemeClr>
+    </dgm:fillClrLst>
+    <dgm:linClrLst meth="repeat">
+      <a:schemeClr val="lt1"/>
+    </dgm:linClrLst>
+    <dgm:effectClrLst/>
+    <dgm:txLinClrLst/>
+    <dgm:txFillClrLst/>
+    <dgm:txEffectClrLst/>
+  </dgm:styleLbl>
+  <dgm:styleLbl name="asst4">
+    <dgm:fillClrLst>
+      <a:schemeClr val="accent3">
+        <a:tint val="50000"/>
+      </a:schemeClr>
+    </dgm:fillClrLst>
+    <dgm:linClrLst meth="repeat">
+      <a:schemeClr val="lt1"/>
+    </dgm:linClrLst>
+    <dgm:effectClrLst/>
+    <dgm:txLinClrLst/>
+    <dgm:txFillClrLst/>
+    <dgm:txEffectClrLst/>
+  </dgm:styleLbl>
+  <dgm:styleLbl name="parChTrans2D1">
+    <dgm:fillClrLst meth="repeat">
+      <a:schemeClr val="accent3">
+        <a:tint val="60000"/>
+      </a:schemeClr>
+    </dgm:fillClrLst>
+    <dgm:linClrLst meth="repeat">
+      <a:schemeClr val="accent3">
+        <a:shade val="80000"/>
+      </a:schemeClr>
+    </dgm:linClrLst>
+    <dgm:effectClrLst/>
+    <dgm:txLinClrLst/>
+    <dgm:txFillClrLst/>
+    <dgm:txEffectClrLst/>
+  </dgm:styleLbl>
+  <dgm:styleLbl name="parChTrans2D2">
+    <dgm:fillClrLst meth="repeat">
+      <a:schemeClr val="accent3">
+        <a:tint val="90000"/>
+      </a:schemeClr>
+    </dgm:fillClrLst>
+    <dgm:linClrLst meth="repeat">
+      <a:schemeClr val="accent3">
+        <a:tint val="90000"/>
+      </a:schemeClr>
+    </dgm:linClrLst>
+    <dgm:effectClrLst/>
+    <dgm:txLinClrLst/>
+    <dgm:txFillClrLst/>
+    <dgm:txEffectClrLst/>
+  </dgm:styleLbl>
+  <dgm:styleLbl name="parChTrans2D3">
+    <dgm:fillClrLst meth="repeat">
+      <a:schemeClr val="accent3">
+        <a:tint val="70000"/>
+      </a:schemeClr>
+    </dgm:fillClrLst>
+    <dgm:linClrLst meth="repeat">
+      <a:schemeClr val="accent3">
+        <a:tint val="70000"/>
+      </a:schemeClr>
+    </dgm:linClrLst>
+    <dgm:effectClrLst/>
+    <dgm:txLinClrLst/>
+    <dgm:txFillClrLst/>
+    <dgm:txEffectClrLst/>
+  </dgm:styleLbl>
+  <dgm:styleLbl name="parChTrans2D4">
+    <dgm:fillClrLst meth="repeat">
+      <a:schemeClr val="accent3">
+        <a:tint val="50000"/>
+      </a:schemeClr>
+    </dgm:fillClrLst>
+    <dgm:linClrLst meth="repeat">
+      <a:schemeClr val="accent3">
+        <a:tint val="50000"/>
+      </a:schemeClr>
+    </dgm:linClrLst>
+    <dgm:effectClrLst/>
+    <dgm:txLinClrLst/>
+    <dgm:txFillClrLst meth="repeat">
+      <a:schemeClr val="dk1"/>
+    </dgm:txFillClrLst>
+    <dgm:txEffectClrLst/>
+  </dgm:styleLbl>
+  <dgm:styleLbl name="parChTrans1D1">
+    <dgm:fillClrLst meth="repeat">
+      <a:schemeClr val="accent3">
+        <a:shade val="80000"/>
+      </a:schemeClr>
+    </dgm:fillClrLst>
+    <dgm:linClrLst meth="repeat">
+      <a:schemeClr val="accent3">
+        <a:shade val="80000"/>
+      </a:schemeClr>
+    </dgm:linClrLst>
+    <dgm:effectClrLst/>
+    <dgm:txLinClrLst/>
+    <dgm:txFillClrLst meth="repeat">
+      <a:schemeClr val="tx1"/>
+    </dgm:txFillClrLst>
+    <dgm:txEffectClrLst/>
+  </dgm:styleLbl>
+  <dgm:styleLbl name="parChTrans1D2">
+    <dgm:fillClrLst meth="repeat">
+      <a:schemeClr val="accent3">
+        <a:tint val="90000"/>
+      </a:schemeClr>
+    </dgm:fillClrLst>
+    <dgm:linClrLst meth="repeat">
+      <a:schemeClr val="accent3">
+        <a:tint val="90000"/>
+      </a:schemeClr>
+    </dgm:linClrLst>
+    <dgm:effectClrLst/>
+    <dgm:txLinClrLst/>
+    <dgm:txFillClrLst meth="repeat">
+      <a:schemeClr val="tx1"/>
+    </dgm:txFillClrLst>
+    <dgm:txEffectClrLst/>
+  </dgm:styleLbl>
+  <dgm:styleLbl name="parChTrans1D3">
+    <dgm:fillClrLst meth="repeat">
+      <a:schemeClr val="accent3">
+        <a:tint val="70000"/>
+      </a:schemeClr>
+    </dgm:fillClrLst>
+    <dgm:linClrLst meth="repeat">
+      <a:schemeClr val="accent3">
+        <a:tint val="70000"/>
+      </a:schemeClr>
+    </dgm:linClrLst>
+    <dgm:effectClrLst/>
+    <dgm:txLinClrLst/>
+    <dgm:txFillClrLst meth="repeat">
+      <a:schemeClr val="tx1"/>
+    </dgm:txFillClrLst>
+    <dgm:txEffectClrLst/>
+  </dgm:styleLbl>
+  <dgm:styleLbl name="parChTrans1D4">
+    <dgm:fillClrLst meth="repeat">
+      <a:schemeClr val="accent3">
+        <a:tint val="50000"/>
+      </a:schemeClr>
+    </dgm:fillClrLst>
+    <dgm:linClrLst meth="repeat">
+      <a:schemeClr val="accent3">
+        <a:tint val="50000"/>
+      </a:schemeClr>
+    </dgm:linClrLst>
+    <dgm:effectClrLst/>
+    <dgm:txLinClrLst/>
+    <dgm:txFillClrLst meth="repeat">
+      <a:schemeClr val="tx1"/>
+    </dgm:txFillClrLst>
+    <dgm:txEffectClrLst/>
+  </dgm:styleLbl>
+  <dgm:styleLbl name="fgAcc1">
+    <dgm:fillClrLst meth="repeat">
+      <a:schemeClr val="lt1">
+        <a:alpha val="90000"/>
+      </a:schemeClr>
+    </dgm:fillClrLst>
+    <dgm:linClrLst meth="cycle">
+      <a:schemeClr val="accent3">
+        <a:shade val="50000"/>
+      </a:schemeClr>
+      <a:schemeClr val="accent3">
+        <a:tint val="55000"/>
+      </a:schemeClr>
+    </dgm:linClrLst>
+    <dgm:effectClrLst/>
+    <dgm:txLinClrLst/>
+    <dgm:txFillClrLst meth="repeat">
+      <a:schemeClr val="dk1"/>
+    </dgm:txFillClrLst>
+    <dgm:txEffectClrLst/>
+  </dgm:styleLbl>
+  <dgm:styleLbl name="conFgAcc1">
+    <dgm:fillClrLst meth="repeat">
+      <a:schemeClr val="lt1">
+        <a:alpha val="90000"/>
+      </a:schemeClr>
+    </dgm:fillClrLst>
+    <dgm:linClrLst meth="cycle">
+      <a:schemeClr val="accent3">
+        <a:shade val="50000"/>
+      </a:schemeClr>
+      <a:schemeClr val="accent3">
+        <a:tint val="55000"/>
+      </a:schemeClr>
+    </dgm:linClrLst>
+    <dgm:effectClrLst/>
+    <dgm:txLinClrLst/>
+    <dgm:txFillClrLst meth="repeat">
+      <a:schemeClr val="dk1"/>
+    </dgm:txFillClrLst>
+    <dgm:txEffectClrLst/>
+  </dgm:styleLbl>
+  <dgm:styleLbl name="alignAcc1">
+    <dgm:fillClrLst meth="repeat">
+      <a:schemeClr val="lt1">
+        <a:alpha val="90000"/>
+      </a:schemeClr>
+    </dgm:fillClrLst>
+    <dgm:linClrLst meth="cycle">
+      <a:schemeClr val="accent3">
+        <a:shade val="50000"/>
+      </a:schemeClr>
+      <a:schemeClr val="accent3">
+        <a:tint val="55000"/>
+      </a:schemeClr>
+    </dgm:linClrLst>
+    <dgm:effectClrLst/>
+    <dgm:txLinClrLst/>
+    <dgm:txFillClrLst meth="repeat">
+      <a:schemeClr val="dk1"/>
+    </dgm:txFillClrLst>
+    <dgm:txEffectClrLst/>
+  </dgm:styleLbl>
+  <dgm:styleLbl name="trAlignAcc1">
+    <dgm:fillClrLst meth="repeat">
+      <a:schemeClr val="lt1">
+        <a:alpha val="55000"/>
+      </a:schemeClr>
+    </dgm:fillClrLst>
+    <dgm:linClrLst meth="repeat">
+      <a:schemeClr val="accent3"/>
+    </dgm:linClrLst>
+    <dgm:effectClrLst/>
+    <dgm:txLinClrLst/>
+    <dgm:txFillClrLst meth="repeat">
+      <a:schemeClr val="dk1"/>
+    </dgm:txFillClrLst>
+    <dgm:txEffectClrLst/>
+  </dgm:styleLbl>
+  <dgm:styleLbl name="bgAcc1">
+    <dgm:fillClrLst meth="repeat">
+      <a:schemeClr val="lt1">
+        <a:alpha val="90000"/>
+      </a:schemeClr>
+    </dgm:fillClrLst>
+    <dgm:linClrLst meth="cycle">
+      <a:schemeClr val="accent3">
+        <a:shade val="50000"/>
+      </a:schemeClr>
+      <a:schemeClr val="accent3">
+        <a:tint val="55000"/>
+      </a:schemeClr>
+    </dgm:linClrLst>
+    <dgm:effectClrLst/>
+    <dgm:txLinClrLst/>
+    <dgm:txFillClrLst meth="repeat">
+      <a:schemeClr val="dk1"/>
+    </dgm:txFillClrLst>
+    <dgm:txEffectClrLst/>
+  </dgm:styleLbl>
+  <dgm:styleLbl name="solidFgAcc1">
+    <dgm:fillClrLst meth="repeat">
+      <a:schemeClr val="lt1"/>
+    </dgm:fillClrLst>
+    <dgm:linClrLst meth="cycle">
+      <a:schemeClr val="accent3">
+        <a:shade val="50000"/>
+      </a:schemeClr>
+      <a:schemeClr val="accent3">
+        <a:tint val="55000"/>
+      </a:schemeClr>
+    </dgm:linClrLst>
+    <dgm:effectClrLst/>
+    <dgm:txLinClrLst/>
+    <dgm:txFillClrLst meth="repeat">
+      <a:schemeClr val="dk1"/>
+    </dgm:txFillClrLst>
+    <dgm:txEffectClrLst/>
+  </dgm:styleLbl>
+  <dgm:styleLbl name="solidAlignAcc1">
+    <dgm:fillClrLst meth="repeat">
+      <a:schemeClr val="lt1"/>
+    </dgm:fillClrLst>
+    <dgm:linClrLst meth="repeat">
+      <a:schemeClr val="accent3"/>
+    </dgm:linClrLst>
+    <dgm:effectClrLst/>
+    <dgm:txLinClrLst/>
+    <dgm:txFillClrLst meth="repeat">
+      <a:schemeClr val="dk1"/>
+    </dgm:txFillClrLst>
+    <dgm:txEffectClrLst/>
+  </dgm:styleLbl>
+  <dgm:styleLbl name="solidBgAcc1">
+    <dgm:fillClrLst meth="repeat">
+      <a:schemeClr val="lt1"/>
+    </dgm:fillClrLst>
+    <dgm:linClrLst meth="repeat">
+      <a:schemeClr val="accent3"/>
+    </dgm:linClrLst>
+    <dgm:effectClrLst/>
+    <dgm:txLinClrLst/>
+    <dgm:txFillClrLst meth="repeat">
+      <a:schemeClr val="dk1"/>
+    </dgm:txFillClrLst>
+    <dgm:txEffectClrLst/>
+  </dgm:styleLbl>
+  <dgm:styleLbl name="fgAccFollowNode1">
+    <dgm:fillClrLst meth="repeat">
+      <a:schemeClr val="accent3">
+        <a:alpha val="90000"/>
+        <a:tint val="55000"/>
+      </a:schemeClr>
+    </dgm:fillClrLst>
+    <dgm:linClrLst meth="repeat">
+      <a:schemeClr val="accent3">
+        <a:alpha val="90000"/>
+        <a:tint val="55000"/>
+      </a:schemeClr>
+    </dgm:linClrLst>
+    <dgm:effectClrLst/>
+    <dgm:txLinClrLst/>
+    <dgm:txFillClrLst meth="repeat">
+      <a:schemeClr val="dk1"/>
+    </dgm:txFillClrLst>
+    <dgm:txEffectClrLst/>
+  </dgm:styleLbl>
+  <dgm:styleLbl name="alignAccFollowNode1">
+    <dgm:fillClrLst meth="repeat">
+      <a:schemeClr val="accent3">
+        <a:alpha val="90000"/>
+        <a:tint val="55000"/>
+      </a:schemeClr>
+    </dgm:fillClrLst>
+    <dgm:linClrLst meth="repeat">
+      <a:schemeClr val="accent3">
+        <a:alpha val="90000"/>
+        <a:tint val="55000"/>
+      </a:schemeClr>
+    </dgm:linClrLst>
+    <dgm:effectClrLst/>
+    <dgm:txLinClrLst/>
+    <dgm:txFillClrLst meth="repeat">
+      <a:schemeClr val="dk1"/>
+    </dgm:txFillClrLst>
+    <dgm:txEffectClrLst/>
+  </dgm:styleLbl>
+  <dgm:styleLbl name="bgAccFollowNode1">
+    <dgm:fillClrLst meth="repeat">
+      <a:schemeClr val="accent3">
+        <a:alpha val="90000"/>
+        <a:tint val="55000"/>
+      </a:schemeClr>
+    </dgm:fillClrLst>
+    <dgm:linClrLst meth="repeat">
+      <a:schemeClr val="lt1"/>
+    </dgm:linClrLst>
+    <dgm:effectClrLst/>
+    <dgm:txLinClrLst/>
+    <dgm:txFillClrLst meth="repeat">
+      <a:schemeClr val="dk1"/>
+    </dgm:txFillClrLst>
+    <dgm:txEffectClrLst/>
+  </dgm:styleLbl>
+  <dgm:styleLbl name="fgAcc0">
+    <dgm:fillClrLst meth="repeat">
+      <a:schemeClr val="lt1">
+        <a:alpha val="90000"/>
+      </a:schemeClr>
+    </dgm:fillClrLst>
+    <dgm:linClrLst meth="repeat">
+      <a:schemeClr val="accent3">
+        <a:shade val="80000"/>
+      </a:schemeClr>
+    </dgm:linClrLst>
+    <dgm:effectClrLst/>
+    <dgm:txLinClrLst/>
+    <dgm:txFillClrLst meth="repeat">
+      <a:schemeClr val="dk1"/>
+    </dgm:txFillClrLst>
+    <dgm:txEffectClrLst/>
+  </dgm:styleLbl>
+  <dgm:styleLbl name="fgAcc2">
+    <dgm:fillClrLst meth="repeat">
+      <a:schemeClr val="lt1">
+        <a:alpha val="90000"/>
+      </a:schemeClr>
+    </dgm:fillClrLst>
+    <dgm:linClrLst meth="repeat">
+      <a:schemeClr val="accent3">
+        <a:tint val="90000"/>
+      </a:schemeClr>
+    </dgm:linClrLst>
+    <dgm:effectClrLst/>
+    <dgm:txLinClrLst/>
+    <dgm:txFillClrLst meth="repeat">
+      <a:schemeClr val="dk1"/>
+    </dgm:txFillClrLst>
+    <dgm:txEffectClrLst/>
+  </dgm:styleLbl>
+  <dgm:styleLbl name="fgAcc3">
+    <dgm:fillClrLst meth="repeat">
+      <a:schemeClr val="lt1">
+        <a:alpha val="90000"/>
+      </a:schemeClr>
+    </dgm:fillClrLst>
+    <dgm:linClrLst meth="repeat">
+      <a:schemeClr val="accent3">
+        <a:tint val="70000"/>
+      </a:schemeClr>
+    </dgm:linClrLst>
+    <dgm:effectClrLst/>
+    <dgm:txLinClrLst/>
+    <dgm:txFillClrLst meth="repeat">
+      <a:schemeClr val="dk1"/>
+    </dgm:txFillClrLst>
+    <dgm:txEffectClrLst/>
+  </dgm:styleLbl>
+  <dgm:styleLbl name="fgAcc4">
+    <dgm:fillClrLst meth="repeat">
+      <a:schemeClr val="lt1">
+        <a:alpha val="90000"/>
+      </a:schemeClr>
+    </dgm:fillClrLst>
+    <dgm:linClrLst meth="repeat">
+      <a:schemeClr val="accent3">
+        <a:tint val="50000"/>
+      </a:schemeClr>
+    </dgm:linClrLst>
+    <dgm:effectClrLst/>
+    <dgm:txLinClrLst/>
+    <dgm:txFillClrLst meth="repeat">
+      <a:schemeClr val="dk1"/>
+    </dgm:txFillClrLst>
+    <dgm:txEffectClrLst/>
+  </dgm:styleLbl>
+  <dgm:styleLbl name="bgShp">
+    <dgm:fillClrLst meth="repeat">
+      <a:schemeClr val="accent3">
+        <a:tint val="55000"/>
+      </a:schemeClr>
+    </dgm:fillClrLst>
+    <dgm:linClrLst meth="repeat">
+      <a:schemeClr val="dk1"/>
+    </dgm:linClrLst>
+    <dgm:effectClrLst/>
+    <dgm:txLinClrLst/>
+    <dgm:txFillClrLst meth="repeat">
+      <a:schemeClr val="dk1"/>
+    </dgm:txFillClrLst>
+    <dgm:txEffectClrLst/>
+  </dgm:styleLbl>
+  <dgm:styleLbl name="dkBgShp">
+    <dgm:fillClrLst meth="repeat">
+      <a:schemeClr val="accent3">
+        <a:shade val="90000"/>
+      </a:schemeClr>
+    </dgm:fillClrLst>
+    <dgm:linClrLst meth="repeat">
+      <a:schemeClr val="dk1"/>
+    </dgm:linClrLst>
+    <dgm:effectClrLst/>
+    <dgm:txLinClrLst/>
+    <dgm:txFillClrLst meth="repeat">
+      <a:schemeClr val="lt1"/>
+    </dgm:txFillClrLst>
+    <dgm:txEffectClrLst/>
+  </dgm:styleLbl>
+  <dgm:styleLbl name="trBgShp">
+    <dgm:fillClrLst meth="repeat">
+      <a:schemeClr val="accent3">
+        <a:tint val="50000"/>
+        <a:alpha val="55000"/>
+      </a:schemeClr>
+    </dgm:fillClrLst>
+    <dgm:linClrLst meth="repeat">
+      <a:schemeClr val="accent3"/>
+    </dgm:linClrLst>
+    <dgm:effectClrLst/>
+    <dgm:txLinClrLst/>
+    <dgm:txFillClrLst meth="repeat">
+      <a:schemeClr val="lt1"/>
+    </dgm:txFillClrLst>
+    <dgm:txEffectClrLst/>
+  </dgm:styleLbl>
+  <dgm:styleLbl name="fgShp">
+    <dgm:fillClrLst meth="repeat">
+      <a:schemeClr val="accent3">
+        <a:tint val="55000"/>
+      </a:schemeClr>
+    </dgm:fillClrLst>
+    <dgm:linClrLst meth="repeat">
+      <a:schemeClr val="lt1"/>
+    </dgm:linClrLst>
+    <dgm:effectClrLst/>
+    <dgm:txLinClrLst/>
+    <dgm:txFillClrLst meth="repeat">
+      <a:schemeClr val="dk1"/>
+    </dgm:txFillClrLst>
+    <dgm:txEffectClrLst/>
+  </dgm:styleLbl>
+  <dgm:styleLbl name="revTx">
+    <dgm:fillClrLst meth="repeat">
+      <a:schemeClr val="lt1">
+        <a:alpha val="0"/>
+      </a:schemeClr>
+    </dgm:fillClrLst>
+    <dgm:linClrLst meth="repeat">
+      <a:schemeClr val="dk1">
+        <a:alpha val="0"/>
+      </a:schemeClr>
+    </dgm:linClrLst>
+    <dgm:effectClrLst/>
+    <dgm:txLinClrLst/>
+    <dgm:txFillClrLst meth="repeat">
+      <a:schemeClr val="tx1"/>
+    </dgm:txFillClrLst>
+    <dgm:txEffectClrLst/>
+  </dgm:styleLbl>
+</dgm:colorsDef>
+</file>
+
+<file path=ppt/diagrams/data1.xml><?xml version="1.0" encoding="utf-8"?>
+<dgm:dataModel xmlns:dgm="http://schemas.openxmlformats.org/drawingml/2006/diagram" xmlns:a="http://schemas.openxmlformats.org/drawingml/2006/main">
+  <dgm:ptLst>
+    <dgm:pt modelId="{9CF62C81-856F-40F4-AA3B-F5EEBD7E2334}" type="doc">
+      <dgm:prSet loTypeId="urn:microsoft.com/office/officeart/2008/layout/AlternatingHexagons" loCatId="list" qsTypeId="urn:microsoft.com/office/officeart/2005/8/quickstyle/simple1" qsCatId="simple" csTypeId="urn:microsoft.com/office/officeart/2005/8/colors/accent3_4" csCatId="accent3" phldr="1"/>
+      <dgm:spPr/>
+      <dgm:t>
+        <a:bodyPr/>
+        <a:lstStyle/>
+        <a:p>
+          <a:endParaRPr lang="de-DE"/>
+        </a:p>
+      </dgm:t>
+    </dgm:pt>
+    <dgm:pt modelId="{86155F76-76FC-440B-A8C8-3BA9915B865F}">
+      <dgm:prSet phldrT="[Text]"/>
+      <dgm:spPr/>
+      <dgm:t>
+        <a:bodyPr/>
+        <a:lstStyle/>
+        <a:p>
+          <a:r>
+            <a:rPr lang="de-DE" dirty="0"/>
+            <a:t>4,2 Mio.</a:t>
+          </a:r>
+        </a:p>
+      </dgm:t>
+    </dgm:pt>
+    <dgm:pt modelId="{699BF386-2C42-4546-8108-0E66129F8D3A}" type="parTrans" cxnId="{8B24676C-69B0-42F8-A5DA-3098943D77B4}">
+      <dgm:prSet/>
+      <dgm:spPr/>
+      <dgm:t>
+        <a:bodyPr/>
+        <a:lstStyle/>
+        <a:p>
+          <a:endParaRPr lang="de-DE"/>
+        </a:p>
+      </dgm:t>
+    </dgm:pt>
+    <dgm:pt modelId="{26135CD5-B689-477E-8959-AF28B28D0440}" type="sibTrans" cxnId="{8B24676C-69B0-42F8-A5DA-3098943D77B4}">
+      <dgm:prSet/>
+      <dgm:spPr/>
+      <dgm:t>
+        <a:bodyPr/>
+        <a:lstStyle/>
+        <a:p>
+          <a:endParaRPr lang="de-DE"/>
+        </a:p>
+      </dgm:t>
+    </dgm:pt>
+    <dgm:pt modelId="{E2150FD6-8A0C-495F-9F2B-47862A665192}">
+      <dgm:prSet phldrT="[Text]"/>
+      <dgm:spPr/>
+      <dgm:t>
+        <a:bodyPr/>
+        <a:lstStyle/>
+        <a:p>
+          <a:r>
+            <a:rPr lang="de-DE" dirty="0"/>
+            <a:t>1,1 Mio.</a:t>
+          </a:r>
+        </a:p>
+      </dgm:t>
+    </dgm:pt>
+    <dgm:pt modelId="{3A21B065-0214-4426-ADB2-FA53CCB722B0}" type="parTrans" cxnId="{FF04B070-EB41-46BC-A972-20F7BE1AFFD8}">
+      <dgm:prSet/>
+      <dgm:spPr/>
+      <dgm:t>
+        <a:bodyPr/>
+        <a:lstStyle/>
+        <a:p>
+          <a:endParaRPr lang="de-DE"/>
+        </a:p>
+      </dgm:t>
+    </dgm:pt>
+    <dgm:pt modelId="{2C4617A4-3462-4EF2-8B1D-B7880B2746BF}" type="sibTrans" cxnId="{FF04B070-EB41-46BC-A972-20F7BE1AFFD8}">
+      <dgm:prSet/>
+      <dgm:spPr/>
+      <dgm:t>
+        <a:bodyPr/>
+        <a:lstStyle/>
+        <a:p>
+          <a:endParaRPr lang="de-DE"/>
+        </a:p>
+      </dgm:t>
+    </dgm:pt>
+    <dgm:pt modelId="{5AB6F355-8314-4013-BD3A-5935C0B7CF09}">
+      <dgm:prSet phldrT="[Text]"/>
+      <dgm:spPr/>
+      <dgm:t>
+        <a:bodyPr/>
+        <a:lstStyle/>
+        <a:p>
+          <a:r>
+            <a:rPr lang="de-DE" dirty="0"/>
+            <a:t>Direktes Geschäftsgebiet</a:t>
+          </a:r>
+        </a:p>
+      </dgm:t>
+    </dgm:pt>
+    <dgm:pt modelId="{30DACA4B-CC78-4C88-978E-31DE7A656218}" type="sibTrans" cxnId="{F4EBF425-D236-424F-B754-4275FEDFDBDB}">
+      <dgm:prSet/>
+      <dgm:spPr/>
+      <dgm:t>
+        <a:bodyPr/>
+        <a:lstStyle/>
+        <a:p>
+          <a:endParaRPr lang="de-DE"/>
+        </a:p>
+      </dgm:t>
+    </dgm:pt>
+    <dgm:pt modelId="{062DC85C-9EE6-4CAB-8CEF-811D46EF8F62}" type="parTrans" cxnId="{F4EBF425-D236-424F-B754-4275FEDFDBDB}">
+      <dgm:prSet/>
+      <dgm:spPr/>
+      <dgm:t>
+        <a:bodyPr/>
+        <a:lstStyle/>
+        <a:p>
+          <a:endParaRPr lang="de-DE"/>
+        </a:p>
+      </dgm:t>
+    </dgm:pt>
+    <dgm:pt modelId="{49BFB296-86A9-4524-A17D-71EBBC0C8146}">
+      <dgm:prSet phldrT="[Text]"/>
+      <dgm:spPr/>
+      <dgm:t>
+        <a:bodyPr/>
+        <a:lstStyle/>
+        <a:p>
+          <a:r>
+            <a:rPr lang="de-DE" dirty="0"/>
+            <a:t>Deutschland</a:t>
+          </a:r>
+        </a:p>
+      </dgm:t>
+    </dgm:pt>
+    <dgm:pt modelId="{6396F706-5D1F-42D7-BE15-6062EF8220C8}" type="parTrans" cxnId="{8AA3724D-9215-46A3-9D4D-E58971EC72AC}">
+      <dgm:prSet/>
+      <dgm:spPr/>
+      <dgm:t>
+        <a:bodyPr/>
+        <a:lstStyle/>
+        <a:p>
+          <a:endParaRPr lang="de-DE"/>
+        </a:p>
+      </dgm:t>
+    </dgm:pt>
+    <dgm:pt modelId="{49A303FE-07BE-4C5A-B31D-D47B2E71D64A}" type="sibTrans" cxnId="{8AA3724D-9215-46A3-9D4D-E58971EC72AC}">
+      <dgm:prSet/>
+      <dgm:spPr/>
+      <dgm:t>
+        <a:bodyPr/>
+        <a:lstStyle/>
+        <a:p>
+          <a:endParaRPr lang="de-DE"/>
+        </a:p>
+      </dgm:t>
+    </dgm:pt>
+    <dgm:pt modelId="{8AA20932-269F-49D8-9429-44EB1C4FCF1C}">
+      <dgm:prSet phldrT="[Text]"/>
+      <dgm:spPr/>
+      <dgm:t>
+        <a:bodyPr/>
+        <a:lstStyle/>
+        <a:p>
+          <a:r>
+            <a:rPr lang="de-DE" dirty="0"/>
+            <a:t>500.000 </a:t>
+          </a:r>
+        </a:p>
+      </dgm:t>
+    </dgm:pt>
+    <dgm:pt modelId="{4F94FBF3-D34E-4364-A941-E0B8BC7B670C}" type="parTrans" cxnId="{9F3DEA77-AFAF-4C25-9F9B-7672F6DB1410}">
+      <dgm:prSet/>
+      <dgm:spPr/>
+      <dgm:t>
+        <a:bodyPr/>
+        <a:lstStyle/>
+        <a:p>
+          <a:endParaRPr lang="de-DE"/>
+        </a:p>
+      </dgm:t>
+    </dgm:pt>
+    <dgm:pt modelId="{D3BCC928-EC7C-4DD6-AAD9-D68E00287DD9}" type="sibTrans" cxnId="{9F3DEA77-AFAF-4C25-9F9B-7672F6DB1410}">
+      <dgm:prSet/>
+      <dgm:spPr/>
+      <dgm:t>
+        <a:bodyPr/>
+        <a:lstStyle/>
+        <a:p>
+          <a:endParaRPr lang="de-DE"/>
+        </a:p>
+      </dgm:t>
+    </dgm:pt>
+    <dgm:pt modelId="{98CE8F0A-B026-4C81-96FB-87A4EC8690C1}">
+      <dgm:prSet phldrT="[Text]"/>
+      <dgm:spPr/>
+      <dgm:t>
+        <a:bodyPr/>
+        <a:lstStyle/>
+        <a:p>
+          <a:r>
+            <a:rPr lang="de-DE" dirty="0"/>
+            <a:t>Bestand </a:t>
+          </a:r>
+        </a:p>
+      </dgm:t>
+    </dgm:pt>
+    <dgm:pt modelId="{4151AC07-E3D6-4AA4-B089-B65082555C1A}" type="parTrans" cxnId="{7E6D81D2-B9DA-499E-B743-1548BB23AF6F}">
+      <dgm:prSet/>
+      <dgm:spPr/>
+      <dgm:t>
+        <a:bodyPr/>
+        <a:lstStyle/>
+        <a:p>
+          <a:endParaRPr lang="de-DE"/>
+        </a:p>
+      </dgm:t>
+    </dgm:pt>
+    <dgm:pt modelId="{B9A58447-83F8-4918-B02B-E80DCC386096}" type="sibTrans" cxnId="{7E6D81D2-B9DA-499E-B743-1548BB23AF6F}">
+      <dgm:prSet/>
+      <dgm:spPr/>
+      <dgm:t>
+        <a:bodyPr/>
+        <a:lstStyle/>
+        <a:p>
+          <a:endParaRPr lang="de-DE"/>
+        </a:p>
+      </dgm:t>
+    </dgm:pt>
+    <dgm:pt modelId="{5DFD56F7-394D-412F-AD45-858776FEF30B}" type="pres">
+      <dgm:prSet presAssocID="{9CF62C81-856F-40F4-AA3B-F5EEBD7E2334}" presName="Name0" presStyleCnt="0">
+        <dgm:presLayoutVars>
+          <dgm:chMax/>
+          <dgm:chPref/>
+          <dgm:dir/>
+          <dgm:animLvl val="lvl"/>
+        </dgm:presLayoutVars>
+      </dgm:prSet>
+      <dgm:spPr/>
+    </dgm:pt>
+    <dgm:pt modelId="{7660CECE-30B2-4DBD-AA65-FB55BB70F128}" type="pres">
+      <dgm:prSet presAssocID="{86155F76-76FC-440B-A8C8-3BA9915B865F}" presName="composite" presStyleCnt="0"/>
+      <dgm:spPr/>
+    </dgm:pt>
+    <dgm:pt modelId="{1C9F8301-E68E-4818-8A8A-C19E937992A6}" type="pres">
+      <dgm:prSet presAssocID="{86155F76-76FC-440B-A8C8-3BA9915B865F}" presName="Parent1" presStyleLbl="node1" presStyleIdx="0" presStyleCnt="6">
+        <dgm:presLayoutVars>
+          <dgm:chMax val="1"/>
+          <dgm:chPref val="1"/>
+          <dgm:bulletEnabled val="1"/>
+        </dgm:presLayoutVars>
+      </dgm:prSet>
+      <dgm:spPr/>
+    </dgm:pt>
+    <dgm:pt modelId="{6587B8AE-7645-4AF6-BB71-86DAF6FEC72E}" type="pres">
+      <dgm:prSet presAssocID="{86155F76-76FC-440B-A8C8-3BA9915B865F}" presName="Childtext1" presStyleLbl="revTx" presStyleIdx="0" presStyleCnt="3">
+        <dgm:presLayoutVars>
+          <dgm:chMax val="0"/>
+          <dgm:chPref val="0"/>
+          <dgm:bulletEnabled val="1"/>
+        </dgm:presLayoutVars>
+      </dgm:prSet>
+      <dgm:spPr/>
+    </dgm:pt>
+    <dgm:pt modelId="{2E9FA9E8-6817-4675-A94B-AB4160982460}" type="pres">
+      <dgm:prSet presAssocID="{86155F76-76FC-440B-A8C8-3BA9915B865F}" presName="BalanceSpacing" presStyleCnt="0"/>
+      <dgm:spPr/>
+    </dgm:pt>
+    <dgm:pt modelId="{9095545B-FB61-4D92-964A-80403D9B1B81}" type="pres">
+      <dgm:prSet presAssocID="{86155F76-76FC-440B-A8C8-3BA9915B865F}" presName="BalanceSpacing1" presStyleCnt="0"/>
+      <dgm:spPr/>
+    </dgm:pt>
+    <dgm:pt modelId="{EA0E1B2B-A806-41A1-9AEF-92A84F3145A5}" type="pres">
+      <dgm:prSet presAssocID="{26135CD5-B689-477E-8959-AF28B28D0440}" presName="Accent1Text" presStyleLbl="node1" presStyleIdx="1" presStyleCnt="6"/>
+      <dgm:spPr/>
+    </dgm:pt>
+    <dgm:pt modelId="{22AEBD44-7EB1-4ADF-974C-2FF3955FA927}" type="pres">
+      <dgm:prSet presAssocID="{26135CD5-B689-477E-8959-AF28B28D0440}" presName="spaceBetweenRectangles" presStyleCnt="0"/>
+      <dgm:spPr/>
+    </dgm:pt>
+    <dgm:pt modelId="{790BB332-AFC2-44E2-946A-EC0332AB7D7B}" type="pres">
+      <dgm:prSet presAssocID="{E2150FD6-8A0C-495F-9F2B-47862A665192}" presName="composite" presStyleCnt="0"/>
+      <dgm:spPr/>
+    </dgm:pt>
+    <dgm:pt modelId="{07043142-FD29-4839-A792-1601A43350D1}" type="pres">
+      <dgm:prSet presAssocID="{E2150FD6-8A0C-495F-9F2B-47862A665192}" presName="Parent1" presStyleLbl="node1" presStyleIdx="2" presStyleCnt="6">
+        <dgm:presLayoutVars>
+          <dgm:chMax val="1"/>
+          <dgm:chPref val="1"/>
+          <dgm:bulletEnabled val="1"/>
+        </dgm:presLayoutVars>
+      </dgm:prSet>
+      <dgm:spPr/>
+    </dgm:pt>
+    <dgm:pt modelId="{FD977FEB-A130-454A-9760-0DF5445BF973}" type="pres">
+      <dgm:prSet presAssocID="{E2150FD6-8A0C-495F-9F2B-47862A665192}" presName="Childtext1" presStyleLbl="revTx" presStyleIdx="1" presStyleCnt="3">
+        <dgm:presLayoutVars>
+          <dgm:chMax val="0"/>
+          <dgm:chPref val="0"/>
+          <dgm:bulletEnabled val="1"/>
+        </dgm:presLayoutVars>
+      </dgm:prSet>
+      <dgm:spPr/>
+    </dgm:pt>
+    <dgm:pt modelId="{42959C1A-B4E9-467B-B8C5-370D1B0206F9}" type="pres">
+      <dgm:prSet presAssocID="{E2150FD6-8A0C-495F-9F2B-47862A665192}" presName="BalanceSpacing" presStyleCnt="0"/>
+      <dgm:spPr/>
+    </dgm:pt>
+    <dgm:pt modelId="{B80B05AB-B2B3-46E6-AD6A-F479812FB89A}" type="pres">
+      <dgm:prSet presAssocID="{E2150FD6-8A0C-495F-9F2B-47862A665192}" presName="BalanceSpacing1" presStyleCnt="0"/>
+      <dgm:spPr/>
+    </dgm:pt>
+    <dgm:pt modelId="{5E2E7386-5C10-4CDE-9D38-8E397400D68F}" type="pres">
+      <dgm:prSet presAssocID="{2C4617A4-3462-4EF2-8B1D-B7880B2746BF}" presName="Accent1Text" presStyleLbl="node1" presStyleIdx="3" presStyleCnt="6"/>
+      <dgm:spPr/>
+    </dgm:pt>
+    <dgm:pt modelId="{AAA3C87E-265B-4873-8DF9-91DCDF405523}" type="pres">
+      <dgm:prSet presAssocID="{2C4617A4-3462-4EF2-8B1D-B7880B2746BF}" presName="spaceBetweenRectangles" presStyleCnt="0"/>
+      <dgm:spPr/>
+    </dgm:pt>
+    <dgm:pt modelId="{C950359C-E697-478F-9747-273DA88E21DA}" type="pres">
+      <dgm:prSet presAssocID="{8AA20932-269F-49D8-9429-44EB1C4FCF1C}" presName="composite" presStyleCnt="0"/>
+      <dgm:spPr/>
+    </dgm:pt>
+    <dgm:pt modelId="{1A82853D-C18E-4800-BA65-B79635927EAE}" type="pres">
+      <dgm:prSet presAssocID="{8AA20932-269F-49D8-9429-44EB1C4FCF1C}" presName="Parent1" presStyleLbl="node1" presStyleIdx="4" presStyleCnt="6">
+        <dgm:presLayoutVars>
+          <dgm:chMax val="1"/>
+          <dgm:chPref val="1"/>
+          <dgm:bulletEnabled val="1"/>
+        </dgm:presLayoutVars>
+      </dgm:prSet>
+      <dgm:spPr/>
+    </dgm:pt>
+    <dgm:pt modelId="{5E7FD63A-B2C1-47E6-8AF6-DB4B056D3E9A}" type="pres">
+      <dgm:prSet presAssocID="{8AA20932-269F-49D8-9429-44EB1C4FCF1C}" presName="Childtext1" presStyleLbl="revTx" presStyleIdx="2" presStyleCnt="3">
+        <dgm:presLayoutVars>
+          <dgm:chMax val="0"/>
+          <dgm:chPref val="0"/>
+          <dgm:bulletEnabled val="1"/>
+        </dgm:presLayoutVars>
+      </dgm:prSet>
+      <dgm:spPr/>
+    </dgm:pt>
+    <dgm:pt modelId="{83B1066C-9939-4A3B-9117-1872F8549BBC}" type="pres">
+      <dgm:prSet presAssocID="{8AA20932-269F-49D8-9429-44EB1C4FCF1C}" presName="BalanceSpacing" presStyleCnt="0"/>
+      <dgm:spPr/>
+    </dgm:pt>
+    <dgm:pt modelId="{C5CA07EA-77C6-4048-A41A-B3D499F72AA9}" type="pres">
+      <dgm:prSet presAssocID="{8AA20932-269F-49D8-9429-44EB1C4FCF1C}" presName="BalanceSpacing1" presStyleCnt="0"/>
+      <dgm:spPr/>
+    </dgm:pt>
+    <dgm:pt modelId="{09BC3479-B552-4117-BD9D-62299E52421A}" type="pres">
+      <dgm:prSet presAssocID="{D3BCC928-EC7C-4DD6-AAD9-D68E00287DD9}" presName="Accent1Text" presStyleLbl="node1" presStyleIdx="5" presStyleCnt="6"/>
+      <dgm:spPr/>
+    </dgm:pt>
+  </dgm:ptLst>
+  <dgm:cxnLst>
+    <dgm:cxn modelId="{6772C90E-1986-41D8-90FB-98C64F0B305C}" type="presOf" srcId="{5AB6F355-8314-4013-BD3A-5935C0B7CF09}" destId="{FD977FEB-A130-454A-9760-0DF5445BF973}" srcOrd="0" destOrd="0" presId="urn:microsoft.com/office/officeart/2008/layout/AlternatingHexagons"/>
+    <dgm:cxn modelId="{F4EBF425-D236-424F-B754-4275FEDFDBDB}" srcId="{E2150FD6-8A0C-495F-9F2B-47862A665192}" destId="{5AB6F355-8314-4013-BD3A-5935C0B7CF09}" srcOrd="0" destOrd="0" parTransId="{062DC85C-9EE6-4CAB-8CEF-811D46EF8F62}" sibTransId="{30DACA4B-CC78-4C88-978E-31DE7A656218}"/>
+    <dgm:cxn modelId="{B1B03F35-3ECA-4E62-9ABD-ED01A175FA60}" type="presOf" srcId="{8AA20932-269F-49D8-9429-44EB1C4FCF1C}" destId="{1A82853D-C18E-4800-BA65-B79635927EAE}" srcOrd="0" destOrd="0" presId="urn:microsoft.com/office/officeart/2008/layout/AlternatingHexagons"/>
+    <dgm:cxn modelId="{C676BA5B-B29E-4D71-90AE-45A75D189839}" type="presOf" srcId="{98CE8F0A-B026-4C81-96FB-87A4EC8690C1}" destId="{5E7FD63A-B2C1-47E6-8AF6-DB4B056D3E9A}" srcOrd="0" destOrd="0" presId="urn:microsoft.com/office/officeart/2008/layout/AlternatingHexagons"/>
+    <dgm:cxn modelId="{8B24676C-69B0-42F8-A5DA-3098943D77B4}" srcId="{9CF62C81-856F-40F4-AA3B-F5EEBD7E2334}" destId="{86155F76-76FC-440B-A8C8-3BA9915B865F}" srcOrd="0" destOrd="0" parTransId="{699BF386-2C42-4546-8108-0E66129F8D3A}" sibTransId="{26135CD5-B689-477E-8959-AF28B28D0440}"/>
+    <dgm:cxn modelId="{8AA3724D-9215-46A3-9D4D-E58971EC72AC}" srcId="{86155F76-76FC-440B-A8C8-3BA9915B865F}" destId="{49BFB296-86A9-4524-A17D-71EBBC0C8146}" srcOrd="0" destOrd="0" parTransId="{6396F706-5D1F-42D7-BE15-6062EF8220C8}" sibTransId="{49A303FE-07BE-4C5A-B31D-D47B2E71D64A}"/>
+    <dgm:cxn modelId="{FF04B070-EB41-46BC-A972-20F7BE1AFFD8}" srcId="{9CF62C81-856F-40F4-AA3B-F5EEBD7E2334}" destId="{E2150FD6-8A0C-495F-9F2B-47862A665192}" srcOrd="1" destOrd="0" parTransId="{3A21B065-0214-4426-ADB2-FA53CCB722B0}" sibTransId="{2C4617A4-3462-4EF2-8B1D-B7880B2746BF}"/>
+    <dgm:cxn modelId="{9F3DEA77-AFAF-4C25-9F9B-7672F6DB1410}" srcId="{9CF62C81-856F-40F4-AA3B-F5EEBD7E2334}" destId="{8AA20932-269F-49D8-9429-44EB1C4FCF1C}" srcOrd="2" destOrd="0" parTransId="{4F94FBF3-D34E-4364-A941-E0B8BC7B670C}" sibTransId="{D3BCC928-EC7C-4DD6-AAD9-D68E00287DD9}"/>
+    <dgm:cxn modelId="{9B6CFF93-DCE4-43F3-96E5-4505D1C341B7}" type="presOf" srcId="{26135CD5-B689-477E-8959-AF28B28D0440}" destId="{EA0E1B2B-A806-41A1-9AEF-92A84F3145A5}" srcOrd="0" destOrd="0" presId="urn:microsoft.com/office/officeart/2008/layout/AlternatingHexagons"/>
+    <dgm:cxn modelId="{452F02A7-DF27-4C22-9B91-838EB61173FE}" type="presOf" srcId="{49BFB296-86A9-4524-A17D-71EBBC0C8146}" destId="{6587B8AE-7645-4AF6-BB71-86DAF6FEC72E}" srcOrd="0" destOrd="0" presId="urn:microsoft.com/office/officeart/2008/layout/AlternatingHexagons"/>
+    <dgm:cxn modelId="{71F562BA-049E-4CC4-8957-E07BA4A28A42}" type="presOf" srcId="{86155F76-76FC-440B-A8C8-3BA9915B865F}" destId="{1C9F8301-E68E-4818-8A8A-C19E937992A6}" srcOrd="0" destOrd="0" presId="urn:microsoft.com/office/officeart/2008/layout/AlternatingHexagons"/>
+    <dgm:cxn modelId="{4B1203C5-A3E6-48BA-A56A-8BD1164CAF77}" type="presOf" srcId="{D3BCC928-EC7C-4DD6-AAD9-D68E00287DD9}" destId="{09BC3479-B552-4117-BD9D-62299E52421A}" srcOrd="0" destOrd="0" presId="urn:microsoft.com/office/officeart/2008/layout/AlternatingHexagons"/>
+    <dgm:cxn modelId="{CEA3D1D0-DAD0-4242-8F8A-EBBCB0B5B083}" type="presOf" srcId="{9CF62C81-856F-40F4-AA3B-F5EEBD7E2334}" destId="{5DFD56F7-394D-412F-AD45-858776FEF30B}" srcOrd="0" destOrd="0" presId="urn:microsoft.com/office/officeart/2008/layout/AlternatingHexagons"/>
+    <dgm:cxn modelId="{7E6D81D2-B9DA-499E-B743-1548BB23AF6F}" srcId="{8AA20932-269F-49D8-9429-44EB1C4FCF1C}" destId="{98CE8F0A-B026-4C81-96FB-87A4EC8690C1}" srcOrd="0" destOrd="0" parTransId="{4151AC07-E3D6-4AA4-B089-B65082555C1A}" sibTransId="{B9A58447-83F8-4918-B02B-E80DCC386096}"/>
+    <dgm:cxn modelId="{F25FEDD6-E908-4310-A375-7651ADB875FF}" type="presOf" srcId="{2C4617A4-3462-4EF2-8B1D-B7880B2746BF}" destId="{5E2E7386-5C10-4CDE-9D38-8E397400D68F}" srcOrd="0" destOrd="0" presId="urn:microsoft.com/office/officeart/2008/layout/AlternatingHexagons"/>
+    <dgm:cxn modelId="{1E5954E6-81E6-43C8-BB9E-A74F8D6144FA}" type="presOf" srcId="{E2150FD6-8A0C-495F-9F2B-47862A665192}" destId="{07043142-FD29-4839-A792-1601A43350D1}" srcOrd="0" destOrd="0" presId="urn:microsoft.com/office/officeart/2008/layout/AlternatingHexagons"/>
+    <dgm:cxn modelId="{21591290-928E-46F7-B1A2-F79ADCA45A94}" type="presParOf" srcId="{5DFD56F7-394D-412F-AD45-858776FEF30B}" destId="{7660CECE-30B2-4DBD-AA65-FB55BB70F128}" srcOrd="0" destOrd="0" presId="urn:microsoft.com/office/officeart/2008/layout/AlternatingHexagons"/>
+    <dgm:cxn modelId="{50C2F59E-5CEA-43AD-9472-846F7E886311}" type="presParOf" srcId="{7660CECE-30B2-4DBD-AA65-FB55BB70F128}" destId="{1C9F8301-E68E-4818-8A8A-C19E937992A6}" srcOrd="0" destOrd="0" presId="urn:microsoft.com/office/officeart/2008/layout/AlternatingHexagons"/>
+    <dgm:cxn modelId="{64134711-214D-4F45-B44C-A3F281F2C5C4}" type="presParOf" srcId="{7660CECE-30B2-4DBD-AA65-FB55BB70F128}" destId="{6587B8AE-7645-4AF6-BB71-86DAF6FEC72E}" srcOrd="1" destOrd="0" presId="urn:microsoft.com/office/officeart/2008/layout/AlternatingHexagons"/>
+    <dgm:cxn modelId="{39BE5D91-D74D-4807-963A-4F1BC17A9E08}" type="presParOf" srcId="{7660CECE-30B2-4DBD-AA65-FB55BB70F128}" destId="{2E9FA9E8-6817-4675-A94B-AB4160982460}" srcOrd="2" destOrd="0" presId="urn:microsoft.com/office/officeart/2008/layout/AlternatingHexagons"/>
+    <dgm:cxn modelId="{E89D6D7A-6CE5-4211-BF93-EAF51EB973EA}" type="presParOf" srcId="{7660CECE-30B2-4DBD-AA65-FB55BB70F128}" destId="{9095545B-FB61-4D92-964A-80403D9B1B81}" srcOrd="3" destOrd="0" presId="urn:microsoft.com/office/officeart/2008/layout/AlternatingHexagons"/>
+    <dgm:cxn modelId="{B73BD158-E5D3-4CD4-8027-EC41D44078C1}" type="presParOf" srcId="{7660CECE-30B2-4DBD-AA65-FB55BB70F128}" destId="{EA0E1B2B-A806-41A1-9AEF-92A84F3145A5}" srcOrd="4" destOrd="0" presId="urn:microsoft.com/office/officeart/2008/layout/AlternatingHexagons"/>
+    <dgm:cxn modelId="{65D13DCC-0517-405B-A93F-6DF29816FA3D}" type="presParOf" srcId="{5DFD56F7-394D-412F-AD45-858776FEF30B}" destId="{22AEBD44-7EB1-4ADF-974C-2FF3955FA927}" srcOrd="1" destOrd="0" presId="urn:microsoft.com/office/officeart/2008/layout/AlternatingHexagons"/>
+    <dgm:cxn modelId="{801D4C1F-5852-4E3E-A965-D0CF9CE13D19}" type="presParOf" srcId="{5DFD56F7-394D-412F-AD45-858776FEF30B}" destId="{790BB332-AFC2-44E2-946A-EC0332AB7D7B}" srcOrd="2" destOrd="0" presId="urn:microsoft.com/office/officeart/2008/layout/AlternatingHexagons"/>
+    <dgm:cxn modelId="{390E25F6-1683-41CD-83C6-208136C89E24}" type="presParOf" srcId="{790BB332-AFC2-44E2-946A-EC0332AB7D7B}" destId="{07043142-FD29-4839-A792-1601A43350D1}" srcOrd="0" destOrd="0" presId="urn:microsoft.com/office/officeart/2008/layout/AlternatingHexagons"/>
+    <dgm:cxn modelId="{274B0277-98A1-475C-9BC0-CDEDE6708914}" type="presParOf" srcId="{790BB332-AFC2-44E2-946A-EC0332AB7D7B}" destId="{FD977FEB-A130-454A-9760-0DF5445BF973}" srcOrd="1" destOrd="0" presId="urn:microsoft.com/office/officeart/2008/layout/AlternatingHexagons"/>
+    <dgm:cxn modelId="{3E693F13-7512-4C82-A489-E90C28FD30E4}" type="presParOf" srcId="{790BB332-AFC2-44E2-946A-EC0332AB7D7B}" destId="{42959C1A-B4E9-467B-B8C5-370D1B0206F9}" srcOrd="2" destOrd="0" presId="urn:microsoft.com/office/officeart/2008/layout/AlternatingHexagons"/>
+    <dgm:cxn modelId="{F46B3D19-99C5-4772-BB82-8FA11C522786}" type="presParOf" srcId="{790BB332-AFC2-44E2-946A-EC0332AB7D7B}" destId="{B80B05AB-B2B3-46E6-AD6A-F479812FB89A}" srcOrd="3" destOrd="0" presId="urn:microsoft.com/office/officeart/2008/layout/AlternatingHexagons"/>
+    <dgm:cxn modelId="{AEDB497B-43F7-4C4A-A92B-F8E5D81E2AD1}" type="presParOf" srcId="{790BB332-AFC2-44E2-946A-EC0332AB7D7B}" destId="{5E2E7386-5C10-4CDE-9D38-8E397400D68F}" srcOrd="4" destOrd="0" presId="urn:microsoft.com/office/officeart/2008/layout/AlternatingHexagons"/>
+    <dgm:cxn modelId="{58243541-95F4-436A-9FF9-107835BCF9EC}" type="presParOf" srcId="{5DFD56F7-394D-412F-AD45-858776FEF30B}" destId="{AAA3C87E-265B-4873-8DF9-91DCDF405523}" srcOrd="3" destOrd="0" presId="urn:microsoft.com/office/officeart/2008/layout/AlternatingHexagons"/>
+    <dgm:cxn modelId="{A508F6E2-F927-4846-B910-0915D6BCFBEA}" type="presParOf" srcId="{5DFD56F7-394D-412F-AD45-858776FEF30B}" destId="{C950359C-E697-478F-9747-273DA88E21DA}" srcOrd="4" destOrd="0" presId="urn:microsoft.com/office/officeart/2008/layout/AlternatingHexagons"/>
+    <dgm:cxn modelId="{36A92482-5FE1-4FCE-BC3E-7DA295530367}" type="presParOf" srcId="{C950359C-E697-478F-9747-273DA88E21DA}" destId="{1A82853D-C18E-4800-BA65-B79635927EAE}" srcOrd="0" destOrd="0" presId="urn:microsoft.com/office/officeart/2008/layout/AlternatingHexagons"/>
+    <dgm:cxn modelId="{016C81D7-7063-4348-BB01-EAFC64214D05}" type="presParOf" srcId="{C950359C-E697-478F-9747-273DA88E21DA}" destId="{5E7FD63A-B2C1-47E6-8AF6-DB4B056D3E9A}" srcOrd="1" destOrd="0" presId="urn:microsoft.com/office/officeart/2008/layout/AlternatingHexagons"/>
+    <dgm:cxn modelId="{A2414B4E-615D-4B50-BB0B-41F73B4D17E4}" type="presParOf" srcId="{C950359C-E697-478F-9747-273DA88E21DA}" destId="{83B1066C-9939-4A3B-9117-1872F8549BBC}" srcOrd="2" destOrd="0" presId="urn:microsoft.com/office/officeart/2008/layout/AlternatingHexagons"/>
+    <dgm:cxn modelId="{378BC0CA-BD03-42D8-AC0E-8D9DF8D36DB9}" type="presParOf" srcId="{C950359C-E697-478F-9747-273DA88E21DA}" destId="{C5CA07EA-77C6-4048-A41A-B3D499F72AA9}" srcOrd="3" destOrd="0" presId="urn:microsoft.com/office/officeart/2008/layout/AlternatingHexagons"/>
+    <dgm:cxn modelId="{5992E476-036E-4F21-BE2E-04F68FA601E1}" type="presParOf" srcId="{C950359C-E697-478F-9747-273DA88E21DA}" destId="{09BC3479-B552-4117-BD9D-62299E52421A}" srcOrd="4" destOrd="0" presId="urn:microsoft.com/office/officeart/2008/layout/AlternatingHexagons"/>
+  </dgm:cxnLst>
+  <dgm:bg/>
+  <dgm:whole/>
+  <dgm:extLst>
+    <a:ext uri="http://schemas.microsoft.com/office/drawing/2008/diagram">
+      <dsp:dataModelExt xmlns:dsp="http://schemas.microsoft.com/office/drawing/2008/diagram" relId="rId6" minVer="http://schemas.openxmlformats.org/drawingml/2006/diagram"/>
+    </a:ext>
+  </dgm:extLst>
+</dgm:dataModel>
+</file>
+
+<file path=ppt/diagrams/drawing1.xml><?xml version="1.0" encoding="utf-8"?>
+<dsp:drawing xmlns:dgm="http://schemas.openxmlformats.org/drawingml/2006/diagram" xmlns:dsp="http://schemas.microsoft.com/office/drawing/2008/diagram" xmlns:a="http://schemas.openxmlformats.org/drawingml/2006/main">
+  <dsp:spTree>
+    <dsp:nvGrpSpPr>
+      <dsp:cNvPr id="0" name=""/>
+      <dsp:cNvGrpSpPr/>
+    </dsp:nvGrpSpPr>
+    <dsp:grpSpPr/>
+    <dsp:sp modelId="{1C9F8301-E68E-4818-8A8A-C19E937992A6}">
+      <dsp:nvSpPr>
+        <dsp:cNvPr id="0" name=""/>
+        <dsp:cNvSpPr/>
+      </dsp:nvSpPr>
+      <dsp:spPr>
+        <a:xfrm rot="5400000">
+          <a:off x="2894906" y="112921"/>
+          <a:ext cx="1711109" cy="1488664"/>
+        </a:xfrm>
+        <a:prstGeom prst="hexagon">
+          <a:avLst>
+            <a:gd name="adj" fmla="val 25000"/>
+            <a:gd name="vf" fmla="val 115470"/>
+          </a:avLst>
+        </a:prstGeom>
+        <a:solidFill>
+          <a:schemeClr val="accent3">
+            <a:shade val="50000"/>
+            <a:hueOff val="0"/>
+            <a:satOff val="0"/>
+            <a:lumOff val="0"/>
+            <a:alphaOff val="0"/>
+          </a:schemeClr>
+        </a:solidFill>
+        <a:ln w="12700" cap="flat" cmpd="sng" algn="ctr">
+          <a:solidFill>
+            <a:schemeClr val="lt1">
+              <a:hueOff val="0"/>
+              <a:satOff val="0"/>
+              <a:lumOff val="0"/>
+              <a:alphaOff val="0"/>
+            </a:schemeClr>
+          </a:solidFill>
+          <a:prstDash val="solid"/>
+          <a:miter lim="800000"/>
+        </a:ln>
+        <a:effectLst/>
+      </dsp:spPr>
+      <dsp:style>
+        <a:lnRef idx="2">
+          <a:scrgbClr r="0" g="0" b="0"/>
+        </a:lnRef>
+        <a:fillRef idx="1">
+          <a:scrgbClr r="0" g="0" b="0"/>
+        </a:fillRef>
+        <a:effectRef idx="0">
+          <a:scrgbClr r="0" g="0" b="0"/>
+        </a:effectRef>
+        <a:fontRef idx="minor">
+          <a:schemeClr val="lt1"/>
+        </a:fontRef>
+      </dsp:style>
+      <dsp:txBody>
+        <a:bodyPr spcFirstLastPara="0" vert="horz" wrap="square" lIns="76200" tIns="76200" rIns="76200" bIns="76200" numCol="1" spcCol="1270" anchor="ctr" anchorCtr="0">
+          <a:noAutofit/>
+        </a:bodyPr>
+        <a:lstStyle/>
+        <a:p>
+          <a:pPr marL="0" lvl="0" indent="0" algn="ctr" defTabSz="889000">
+            <a:lnSpc>
+              <a:spcPct val="90000"/>
+            </a:lnSpc>
+            <a:spcBef>
+              <a:spcPct val="0"/>
+            </a:spcBef>
+            <a:spcAft>
+              <a:spcPct val="35000"/>
+            </a:spcAft>
+            <a:buNone/>
+          </a:pPr>
+          <a:r>
+            <a:rPr lang="de-DE" sz="2000" kern="1200" dirty="0"/>
+            <a:t>4,2 Mio.</a:t>
+          </a:r>
+        </a:p>
+      </dsp:txBody>
+      <dsp:txXfrm rot="-5400000">
+        <a:off x="3238111" y="268347"/>
+        <a:ext cx="1024698" cy="1177813"/>
+      </dsp:txXfrm>
+    </dsp:sp>
+    <dsp:sp modelId="{6587B8AE-7645-4AF6-BB71-86DAF6FEC72E}">
+      <dsp:nvSpPr>
+        <dsp:cNvPr id="0" name=""/>
+        <dsp:cNvSpPr/>
+      </dsp:nvSpPr>
+      <dsp:spPr>
+        <a:xfrm>
+          <a:off x="4539967" y="343920"/>
+          <a:ext cx="1909597" cy="1026665"/>
+        </a:xfrm>
+        <a:prstGeom prst="rect">
+          <a:avLst/>
+        </a:prstGeom>
+        <a:noFill/>
+        <a:ln>
+          <a:noFill/>
+        </a:ln>
+        <a:effectLst/>
+      </dsp:spPr>
+      <dsp:style>
+        <a:lnRef idx="0">
+          <a:scrgbClr r="0" g="0" b="0"/>
+        </a:lnRef>
+        <a:fillRef idx="0">
+          <a:scrgbClr r="0" g="0" b="0"/>
+        </a:fillRef>
+        <a:effectRef idx="0">
+          <a:scrgbClr r="0" g="0" b="0"/>
+        </a:effectRef>
+        <a:fontRef idx="minor"/>
+      </dsp:style>
+      <dsp:txBody>
+        <a:bodyPr spcFirstLastPara="0" vert="horz" wrap="square" lIns="76200" tIns="76200" rIns="76200" bIns="76200" numCol="1" spcCol="1270" anchor="ctr" anchorCtr="0">
+          <a:noAutofit/>
+        </a:bodyPr>
+        <a:lstStyle/>
+        <a:p>
+          <a:pPr marL="0" lvl="0" indent="0" algn="l" defTabSz="889000">
+            <a:lnSpc>
+              <a:spcPct val="90000"/>
+            </a:lnSpc>
+            <a:spcBef>
+              <a:spcPct val="0"/>
+            </a:spcBef>
+            <a:spcAft>
+              <a:spcPct val="35000"/>
+            </a:spcAft>
+            <a:buNone/>
+          </a:pPr>
+          <a:r>
+            <a:rPr lang="de-DE" sz="2000" kern="1200" dirty="0"/>
+            <a:t>Deutschland</a:t>
+          </a:r>
+        </a:p>
+      </dsp:txBody>
+      <dsp:txXfrm>
+        <a:off x="4539967" y="343920"/>
+        <a:ext cx="1909597" cy="1026665"/>
+      </dsp:txXfrm>
+    </dsp:sp>
+    <dsp:sp modelId="{EA0E1B2B-A806-41A1-9AEF-92A84F3145A5}">
+      <dsp:nvSpPr>
+        <dsp:cNvPr id="0" name=""/>
+        <dsp:cNvSpPr/>
+      </dsp:nvSpPr>
+      <dsp:spPr>
+        <a:xfrm rot="5400000">
+          <a:off x="1287148" y="112921"/>
+          <a:ext cx="1711109" cy="1488664"/>
+        </a:xfrm>
+        <a:prstGeom prst="hexagon">
+          <a:avLst>
+            <a:gd name="adj" fmla="val 25000"/>
+            <a:gd name="vf" fmla="val 115470"/>
+          </a:avLst>
+        </a:prstGeom>
+        <a:solidFill>
+          <a:schemeClr val="accent3">
+            <a:shade val="50000"/>
+            <a:hueOff val="0"/>
+            <a:satOff val="0"/>
+            <a:lumOff val="11987"/>
+            <a:alphaOff val="0"/>
+          </a:schemeClr>
+        </a:solidFill>
+        <a:ln w="12700" cap="flat" cmpd="sng" algn="ctr">
+          <a:solidFill>
+            <a:schemeClr val="lt1">
+              <a:hueOff val="0"/>
+              <a:satOff val="0"/>
+              <a:lumOff val="0"/>
+              <a:alphaOff val="0"/>
+            </a:schemeClr>
+          </a:solidFill>
+          <a:prstDash val="solid"/>
+          <a:miter lim="800000"/>
+        </a:ln>
+        <a:effectLst/>
+      </dsp:spPr>
+      <dsp:style>
+        <a:lnRef idx="2">
+          <a:scrgbClr r="0" g="0" b="0"/>
+        </a:lnRef>
+        <a:fillRef idx="1">
+          <a:scrgbClr r="0" g="0" b="0"/>
+        </a:fillRef>
+        <a:effectRef idx="0">
+          <a:scrgbClr r="0" g="0" b="0"/>
+        </a:effectRef>
+        <a:fontRef idx="minor">
+          <a:schemeClr val="lt1"/>
+        </a:fontRef>
+      </dsp:style>
+      <dsp:txBody>
+        <a:bodyPr spcFirstLastPara="0" vert="horz" wrap="square" lIns="0" tIns="0" rIns="0" bIns="0" numCol="1" spcCol="1270" anchor="ctr" anchorCtr="0">
+          <a:noAutofit/>
+        </a:bodyPr>
+        <a:lstStyle/>
+        <a:p>
+          <a:pPr marL="0" lvl="0" indent="0" algn="ctr" defTabSz="1600200">
+            <a:lnSpc>
+              <a:spcPct val="90000"/>
+            </a:lnSpc>
+            <a:spcBef>
+              <a:spcPct val="0"/>
+            </a:spcBef>
+            <a:spcAft>
+              <a:spcPct val="35000"/>
+            </a:spcAft>
+            <a:buNone/>
+          </a:pPr>
+          <a:endParaRPr lang="de-DE" sz="3600" kern="1200"/>
+        </a:p>
+      </dsp:txBody>
+      <dsp:txXfrm rot="-5400000">
+        <a:off x="1630353" y="268347"/>
+        <a:ext cx="1024698" cy="1177813"/>
+      </dsp:txXfrm>
+    </dsp:sp>
+    <dsp:sp modelId="{07043142-FD29-4839-A792-1601A43350D1}">
+      <dsp:nvSpPr>
+        <dsp:cNvPr id="0" name=""/>
+        <dsp:cNvSpPr/>
+      </dsp:nvSpPr>
+      <dsp:spPr>
+        <a:xfrm rot="5400000">
+          <a:off x="2087947" y="1565310"/>
+          <a:ext cx="1711109" cy="1488664"/>
+        </a:xfrm>
+        <a:prstGeom prst="hexagon">
+          <a:avLst>
+            <a:gd name="adj" fmla="val 25000"/>
+            <a:gd name="vf" fmla="val 115470"/>
+          </a:avLst>
+        </a:prstGeom>
+        <a:solidFill>
+          <a:schemeClr val="accent3">
+            <a:shade val="50000"/>
+            <a:hueOff val="0"/>
+            <a:satOff val="0"/>
+            <a:lumOff val="23975"/>
+            <a:alphaOff val="0"/>
+          </a:schemeClr>
+        </a:solidFill>
+        <a:ln w="12700" cap="flat" cmpd="sng" algn="ctr">
+          <a:solidFill>
+            <a:schemeClr val="lt1">
+              <a:hueOff val="0"/>
+              <a:satOff val="0"/>
+              <a:lumOff val="0"/>
+              <a:alphaOff val="0"/>
+            </a:schemeClr>
+          </a:solidFill>
+          <a:prstDash val="solid"/>
+          <a:miter lim="800000"/>
+        </a:ln>
+        <a:effectLst/>
+      </dsp:spPr>
+      <dsp:style>
+        <a:lnRef idx="2">
+          <a:scrgbClr r="0" g="0" b="0"/>
+        </a:lnRef>
+        <a:fillRef idx="1">
+          <a:scrgbClr r="0" g="0" b="0"/>
+        </a:fillRef>
+        <a:effectRef idx="0">
+          <a:scrgbClr r="0" g="0" b="0"/>
+        </a:effectRef>
+        <a:fontRef idx="minor">
+          <a:schemeClr val="lt1"/>
+        </a:fontRef>
+      </dsp:style>
+      <dsp:txBody>
+        <a:bodyPr spcFirstLastPara="0" vert="horz" wrap="square" lIns="76200" tIns="76200" rIns="76200" bIns="76200" numCol="1" spcCol="1270" anchor="ctr" anchorCtr="0">
+          <a:noAutofit/>
+        </a:bodyPr>
+        <a:lstStyle/>
+        <a:p>
+          <a:pPr marL="0" lvl="0" indent="0" algn="ctr" defTabSz="889000">
+            <a:lnSpc>
+              <a:spcPct val="90000"/>
+            </a:lnSpc>
+            <a:spcBef>
+              <a:spcPct val="0"/>
+            </a:spcBef>
+            <a:spcAft>
+              <a:spcPct val="35000"/>
+            </a:spcAft>
+            <a:buNone/>
+          </a:pPr>
+          <a:r>
+            <a:rPr lang="de-DE" sz="2000" kern="1200" dirty="0"/>
+            <a:t>1,1 Mio.</a:t>
+          </a:r>
+        </a:p>
+      </dsp:txBody>
+      <dsp:txXfrm rot="-5400000">
+        <a:off x="2431152" y="1720736"/>
+        <a:ext cx="1024698" cy="1177813"/>
+      </dsp:txXfrm>
+    </dsp:sp>
+    <dsp:sp modelId="{FD977FEB-A130-454A-9760-0DF5445BF973}">
+      <dsp:nvSpPr>
+        <dsp:cNvPr id="0" name=""/>
+        <dsp:cNvSpPr/>
+      </dsp:nvSpPr>
+      <dsp:spPr>
+        <a:xfrm>
+          <a:off x="289572" y="1796310"/>
+          <a:ext cx="1847997" cy="1026665"/>
+        </a:xfrm>
+        <a:prstGeom prst="rect">
+          <a:avLst/>
+        </a:prstGeom>
+        <a:noFill/>
+        <a:ln>
+          <a:noFill/>
+        </a:ln>
+        <a:effectLst/>
+      </dsp:spPr>
+      <dsp:style>
+        <a:lnRef idx="0">
+          <a:scrgbClr r="0" g="0" b="0"/>
+        </a:lnRef>
+        <a:fillRef idx="0">
+          <a:scrgbClr r="0" g="0" b="0"/>
+        </a:fillRef>
+        <a:effectRef idx="0">
+          <a:scrgbClr r="0" g="0" b="0"/>
+        </a:effectRef>
+        <a:fontRef idx="minor"/>
+      </dsp:style>
+      <dsp:txBody>
+        <a:bodyPr spcFirstLastPara="0" vert="horz" wrap="square" lIns="76200" tIns="76200" rIns="76200" bIns="76200" numCol="1" spcCol="1270" anchor="ctr" anchorCtr="0">
+          <a:noAutofit/>
+        </a:bodyPr>
+        <a:lstStyle/>
+        <a:p>
+          <a:pPr marL="0" lvl="0" indent="0" algn="r" defTabSz="889000">
+            <a:lnSpc>
+              <a:spcPct val="90000"/>
+            </a:lnSpc>
+            <a:spcBef>
+              <a:spcPct val="0"/>
+            </a:spcBef>
+            <a:spcAft>
+              <a:spcPct val="35000"/>
+            </a:spcAft>
+            <a:buNone/>
+          </a:pPr>
+          <a:r>
+            <a:rPr lang="de-DE" sz="2000" kern="1200" dirty="0"/>
+            <a:t>Direktes Geschäftsgebiet</a:t>
+          </a:r>
+        </a:p>
+      </dsp:txBody>
+      <dsp:txXfrm>
+        <a:off x="289572" y="1796310"/>
+        <a:ext cx="1847997" cy="1026665"/>
+      </dsp:txXfrm>
+    </dsp:sp>
+    <dsp:sp modelId="{5E2E7386-5C10-4CDE-9D38-8E397400D68F}">
+      <dsp:nvSpPr>
+        <dsp:cNvPr id="0" name=""/>
+        <dsp:cNvSpPr/>
+      </dsp:nvSpPr>
+      <dsp:spPr>
+        <a:xfrm rot="5400000">
+          <a:off x="3695705" y="1565310"/>
+          <a:ext cx="1711109" cy="1488664"/>
+        </a:xfrm>
+        <a:prstGeom prst="hexagon">
+          <a:avLst>
+            <a:gd name="adj" fmla="val 25000"/>
+            <a:gd name="vf" fmla="val 115470"/>
+          </a:avLst>
+        </a:prstGeom>
+        <a:solidFill>
+          <a:schemeClr val="accent3">
+            <a:shade val="50000"/>
+            <a:hueOff val="0"/>
+            <a:satOff val="0"/>
+            <a:lumOff val="35962"/>
+            <a:alphaOff val="0"/>
+          </a:schemeClr>
+        </a:solidFill>
+        <a:ln w="12700" cap="flat" cmpd="sng" algn="ctr">
+          <a:solidFill>
+            <a:schemeClr val="lt1">
+              <a:hueOff val="0"/>
+              <a:satOff val="0"/>
+              <a:lumOff val="0"/>
+              <a:alphaOff val="0"/>
+            </a:schemeClr>
+          </a:solidFill>
+          <a:prstDash val="solid"/>
+          <a:miter lim="800000"/>
+        </a:ln>
+        <a:effectLst/>
+      </dsp:spPr>
+      <dsp:style>
+        <a:lnRef idx="2">
+          <a:scrgbClr r="0" g="0" b="0"/>
+        </a:lnRef>
+        <a:fillRef idx="1">
+          <a:scrgbClr r="0" g="0" b="0"/>
+        </a:fillRef>
+        <a:effectRef idx="0">
+          <a:scrgbClr r="0" g="0" b="0"/>
+        </a:effectRef>
+        <a:fontRef idx="minor">
+          <a:schemeClr val="lt1"/>
+        </a:fontRef>
+      </dsp:style>
+      <dsp:txBody>
+        <a:bodyPr spcFirstLastPara="0" vert="horz" wrap="square" lIns="0" tIns="0" rIns="0" bIns="0" numCol="1" spcCol="1270" anchor="ctr" anchorCtr="0">
+          <a:noAutofit/>
+        </a:bodyPr>
+        <a:lstStyle/>
+        <a:p>
+          <a:pPr marL="0" lvl="0" indent="0" algn="ctr" defTabSz="1600200">
+            <a:lnSpc>
+              <a:spcPct val="90000"/>
+            </a:lnSpc>
+            <a:spcBef>
+              <a:spcPct val="0"/>
+            </a:spcBef>
+            <a:spcAft>
+              <a:spcPct val="35000"/>
+            </a:spcAft>
+            <a:buNone/>
+          </a:pPr>
+          <a:endParaRPr lang="de-DE" sz="3600" kern="1200"/>
+        </a:p>
+      </dsp:txBody>
+      <dsp:txXfrm rot="-5400000">
+        <a:off x="4038910" y="1720736"/>
+        <a:ext cx="1024698" cy="1177813"/>
+      </dsp:txXfrm>
+    </dsp:sp>
+    <dsp:sp modelId="{1A82853D-C18E-4800-BA65-B79635927EAE}">
+      <dsp:nvSpPr>
+        <dsp:cNvPr id="0" name=""/>
+        <dsp:cNvSpPr/>
+      </dsp:nvSpPr>
+      <dsp:spPr>
+        <a:xfrm rot="5400000">
+          <a:off x="2894906" y="3017699"/>
+          <a:ext cx="1711109" cy="1488664"/>
+        </a:xfrm>
+        <a:prstGeom prst="hexagon">
+          <a:avLst>
+            <a:gd name="adj" fmla="val 25000"/>
+            <a:gd name="vf" fmla="val 115470"/>
+          </a:avLst>
+        </a:prstGeom>
+        <a:solidFill>
+          <a:schemeClr val="accent3">
+            <a:shade val="50000"/>
+            <a:hueOff val="0"/>
+            <a:satOff val="0"/>
+            <a:lumOff val="23975"/>
+            <a:alphaOff val="0"/>
+          </a:schemeClr>
+        </a:solidFill>
+        <a:ln w="12700" cap="flat" cmpd="sng" algn="ctr">
+          <a:solidFill>
+            <a:schemeClr val="lt1">
+              <a:hueOff val="0"/>
+              <a:satOff val="0"/>
+              <a:lumOff val="0"/>
+              <a:alphaOff val="0"/>
+            </a:schemeClr>
+          </a:solidFill>
+          <a:prstDash val="solid"/>
+          <a:miter lim="800000"/>
+        </a:ln>
+        <a:effectLst/>
+      </dsp:spPr>
+      <dsp:style>
+        <a:lnRef idx="2">
+          <a:scrgbClr r="0" g="0" b="0"/>
+        </a:lnRef>
+        <a:fillRef idx="1">
+          <a:scrgbClr r="0" g="0" b="0"/>
+        </a:fillRef>
+        <a:effectRef idx="0">
+          <a:scrgbClr r="0" g="0" b="0"/>
+        </a:effectRef>
+        <a:fontRef idx="minor">
+          <a:schemeClr val="lt1"/>
+        </a:fontRef>
+      </dsp:style>
+      <dsp:txBody>
+        <a:bodyPr spcFirstLastPara="0" vert="horz" wrap="square" lIns="76200" tIns="76200" rIns="76200" bIns="76200" numCol="1" spcCol="1270" anchor="ctr" anchorCtr="0">
+          <a:noAutofit/>
+        </a:bodyPr>
+        <a:lstStyle/>
+        <a:p>
+          <a:pPr marL="0" lvl="0" indent="0" algn="ctr" defTabSz="889000">
+            <a:lnSpc>
+              <a:spcPct val="90000"/>
+            </a:lnSpc>
+            <a:spcBef>
+              <a:spcPct val="0"/>
+            </a:spcBef>
+            <a:spcAft>
+              <a:spcPct val="35000"/>
+            </a:spcAft>
+            <a:buNone/>
+          </a:pPr>
+          <a:r>
+            <a:rPr lang="de-DE" sz="2000" kern="1200" dirty="0"/>
+            <a:t>500.000 </a:t>
+          </a:r>
+        </a:p>
+      </dsp:txBody>
+      <dsp:txXfrm rot="-5400000">
+        <a:off x="3238111" y="3173125"/>
+        <a:ext cx="1024698" cy="1177813"/>
+      </dsp:txXfrm>
+    </dsp:sp>
+    <dsp:sp modelId="{5E7FD63A-B2C1-47E6-8AF6-DB4B056D3E9A}">
+      <dsp:nvSpPr>
+        <dsp:cNvPr id="0" name=""/>
+        <dsp:cNvSpPr/>
+      </dsp:nvSpPr>
+      <dsp:spPr>
+        <a:xfrm>
+          <a:off x="4539967" y="3248699"/>
+          <a:ext cx="1909597" cy="1026665"/>
+        </a:xfrm>
+        <a:prstGeom prst="rect">
+          <a:avLst/>
+        </a:prstGeom>
+        <a:noFill/>
+        <a:ln>
+          <a:noFill/>
+        </a:ln>
+        <a:effectLst/>
+      </dsp:spPr>
+      <dsp:style>
+        <a:lnRef idx="0">
+          <a:scrgbClr r="0" g="0" b="0"/>
+        </a:lnRef>
+        <a:fillRef idx="0">
+          <a:scrgbClr r="0" g="0" b="0"/>
+        </a:fillRef>
+        <a:effectRef idx="0">
+          <a:scrgbClr r="0" g="0" b="0"/>
+        </a:effectRef>
+        <a:fontRef idx="minor"/>
+      </dsp:style>
+      <dsp:txBody>
+        <a:bodyPr spcFirstLastPara="0" vert="horz" wrap="square" lIns="76200" tIns="76200" rIns="76200" bIns="76200" numCol="1" spcCol="1270" anchor="ctr" anchorCtr="0">
+          <a:noAutofit/>
+        </a:bodyPr>
+        <a:lstStyle/>
+        <a:p>
+          <a:pPr marL="0" lvl="0" indent="0" algn="l" defTabSz="889000">
+            <a:lnSpc>
+              <a:spcPct val="90000"/>
+            </a:lnSpc>
+            <a:spcBef>
+              <a:spcPct val="0"/>
+            </a:spcBef>
+            <a:spcAft>
+              <a:spcPct val="35000"/>
+            </a:spcAft>
+            <a:buNone/>
+          </a:pPr>
+          <a:r>
+            <a:rPr lang="de-DE" sz="2000" kern="1200" dirty="0"/>
+            <a:t>Bestand </a:t>
+          </a:r>
+        </a:p>
+      </dsp:txBody>
+      <dsp:txXfrm>
+        <a:off x="4539967" y="3248699"/>
+        <a:ext cx="1909597" cy="1026665"/>
+      </dsp:txXfrm>
+    </dsp:sp>
+    <dsp:sp modelId="{09BC3479-B552-4117-BD9D-62299E52421A}">
+      <dsp:nvSpPr>
+        <dsp:cNvPr id="0" name=""/>
+        <dsp:cNvSpPr/>
+      </dsp:nvSpPr>
+      <dsp:spPr>
+        <a:xfrm rot="5400000">
+          <a:off x="1287148" y="3017699"/>
+          <a:ext cx="1711109" cy="1488664"/>
+        </a:xfrm>
+        <a:prstGeom prst="hexagon">
+          <a:avLst>
+            <a:gd name="adj" fmla="val 25000"/>
+            <a:gd name="vf" fmla="val 115470"/>
+          </a:avLst>
+        </a:prstGeom>
+        <a:solidFill>
+          <a:schemeClr val="accent3">
+            <a:shade val="50000"/>
+            <a:hueOff val="0"/>
+            <a:satOff val="0"/>
+            <a:lumOff val="11987"/>
+            <a:alphaOff val="0"/>
+          </a:schemeClr>
+        </a:solidFill>
+        <a:ln w="12700" cap="flat" cmpd="sng" algn="ctr">
+          <a:solidFill>
+            <a:schemeClr val="lt1">
+              <a:hueOff val="0"/>
+              <a:satOff val="0"/>
+              <a:lumOff val="0"/>
+              <a:alphaOff val="0"/>
+            </a:schemeClr>
+          </a:solidFill>
+          <a:prstDash val="solid"/>
+          <a:miter lim="800000"/>
+        </a:ln>
+        <a:effectLst/>
+      </dsp:spPr>
+      <dsp:style>
+        <a:lnRef idx="2">
+          <a:scrgbClr r="0" g="0" b="0"/>
+        </a:lnRef>
+        <a:fillRef idx="1">
+          <a:scrgbClr r="0" g="0" b="0"/>
+        </a:fillRef>
+        <a:effectRef idx="0">
+          <a:scrgbClr r="0" g="0" b="0"/>
+        </a:effectRef>
+        <a:fontRef idx="minor">
+          <a:schemeClr val="lt1"/>
+        </a:fontRef>
+      </dsp:style>
+      <dsp:txBody>
+        <a:bodyPr spcFirstLastPara="0" vert="horz" wrap="square" lIns="0" tIns="0" rIns="0" bIns="0" numCol="1" spcCol="1270" anchor="ctr" anchorCtr="0">
+          <a:noAutofit/>
+        </a:bodyPr>
+        <a:lstStyle/>
+        <a:p>
+          <a:pPr marL="0" lvl="0" indent="0" algn="ctr" defTabSz="1600200">
+            <a:lnSpc>
+              <a:spcPct val="90000"/>
+            </a:lnSpc>
+            <a:spcBef>
+              <a:spcPct val="0"/>
+            </a:spcBef>
+            <a:spcAft>
+              <a:spcPct val="35000"/>
+            </a:spcAft>
+            <a:buNone/>
+          </a:pPr>
+          <a:endParaRPr lang="de-DE" sz="3600" kern="1200"/>
+        </a:p>
+      </dsp:txBody>
+      <dsp:txXfrm rot="-5400000">
+        <a:off x="1630353" y="3173125"/>
+        <a:ext cx="1024698" cy="1177813"/>
+      </dsp:txXfrm>
+    </dsp:sp>
+  </dsp:spTree>
+</dsp:drawing>
+</file>
+
+<file path=ppt/diagrams/layout1.xml><?xml version="1.0" encoding="utf-8"?>
+<dgm:layoutDef xmlns:dgm="http://schemas.openxmlformats.org/drawingml/2006/diagram" xmlns:a="http://schemas.openxmlformats.org/drawingml/2006/main" uniqueId="urn:microsoft.com/office/officeart/2008/layout/AlternatingHexagons">
+  <dgm:title val=""/>
+  <dgm:desc val=""/>
+  <dgm:catLst>
+    <dgm:cat type="list" pri="1500"/>
+  </dgm:catLst>
+  <dgm:sampData>
+    <dgm:dataModel>
+      <dgm:ptLst>
+        <dgm:pt modelId="0" type="doc"/>
+        <dgm:pt modelId="10">
+          <dgm:prSet phldr="1"/>
+        </dgm:pt>
+        <dgm:pt modelId="11">
+          <dgm:prSet phldr="1"/>
+        </dgm:pt>
+        <dgm:pt modelId="20">
+          <dgm:prSet phldr="1"/>
+        </dgm:pt>
+        <dgm:pt modelId="21">
+          <dgm:prSet phldr="1"/>
+        </dgm:pt>
+        <dgm:pt modelId="30">
+          <dgm:prSet phldr="1"/>
+        </dgm:pt>
+        <dgm:pt modelId="31">
+          <dgm:prSet phldr="1"/>
+        </dgm:pt>
+      </dgm:ptLst>
+      <dgm:cxnLst>
+        <dgm:cxn modelId="40" srcId="0" destId="10" srcOrd="0" destOrd="0"/>
+        <dgm:cxn modelId="12" srcId="10" destId="11" srcOrd="0" destOrd="0"/>
+        <dgm:cxn modelId="50" srcId="0" destId="20" srcOrd="1" destOrd="0"/>
+        <dgm:cxn modelId="22" srcId="20" destId="21" srcOrd="0" destOrd="0"/>
+        <dgm:cxn modelId="60" srcId="0" destId="30" srcOrd="1" destOrd="0"/>
+        <dgm:cxn modelId="32" srcId="30" destId="31" srcOrd="0" destOrd="0"/>
+      </dgm:cxnLst>
+      <dgm:bg/>
+      <dgm:whole/>
+    </dgm:dataModel>
+  </dgm:sampData>
+  <dgm:styleData>
+    <dgm:dataModel>
+      <dgm:ptLst>
+        <dgm:pt modelId="0" type="doc"/>
+        <dgm:pt modelId="10">
+          <dgm:prSet phldr="1"/>
+        </dgm:pt>
+        <dgm:pt modelId="20">
+          <dgm:prSet phldr="1"/>
+        </dgm:pt>
+      </dgm:ptLst>
+      <dgm:cxnLst>
+        <dgm:cxn modelId="60" srcId="0" destId="10" srcOrd="0" destOrd="0"/>
+        <dgm:cxn modelId="70" srcId="0" destId="20" srcOrd="1" destOrd="0"/>
+      </dgm:cxnLst>
+      <dgm:bg/>
+      <dgm:whole/>
+    </dgm:dataModel>
+  </dgm:styleData>
+  <dgm:clrData>
+    <dgm:dataModel>
+      <dgm:ptLst>
+        <dgm:pt modelId="0" type="doc"/>
+        <dgm:pt modelId="10">
+          <dgm:prSet phldr="1"/>
+        </dgm:pt>
+        <dgm:pt modelId="20">
+          <dgm:prSet phldr="1"/>
+        </dgm:pt>
+        <dgm:pt modelId="30">
+          <dgm:prSet phldr="1"/>
+        </dgm:pt>
+        <dgm:pt modelId="40">
+          <dgm:prSet phldr="1"/>
+        </dgm:pt>
+      </dgm:ptLst>
+      <dgm:cxnLst>
+        <dgm:cxn modelId="60" srcId="0" destId="10" srcOrd="0" destOrd="0"/>
+        <dgm:cxn modelId="70" srcId="0" destId="20" srcOrd="1" destOrd="0"/>
+        <dgm:cxn modelId="80" srcId="0" destId="30" srcOrd="2" destOrd="0"/>
+        <dgm:cxn modelId="90" srcId="0" destId="40" srcOrd="3" destOrd="0"/>
+      </dgm:cxnLst>
+      <dgm:bg/>
+      <dgm:whole/>
+    </dgm:dataModel>
+  </dgm:clrData>
+  <dgm:layoutNode name="Name0">
+    <dgm:varLst>
+      <dgm:chMax/>
+      <dgm:chPref/>
+      <dgm:dir/>
+      <dgm:animLvl val="lvl"/>
+    </dgm:varLst>
+    <dgm:alg type="lin">
+      <dgm:param type="linDir" val="fromT"/>
+    </dgm:alg>
+    <dgm:shape xmlns:r="http://schemas.openxmlformats.org/officeDocument/2006/relationships" r:blip="">
+      <dgm:adjLst/>
+    </dgm:shape>
+    <dgm:constrLst>
+      <dgm:constr type="primFontSz" for="des" forName="Parent1" val="65"/>
+      <dgm:constr type="primFontSz" for="des" forName="Childtext1" refType="primFontSz" refFor="des" refForName="Parent1" op="lte"/>
+      <dgm:constr type="w" for="ch" forName="composite" refType="w"/>
+      <dgm:constr type="h" for="ch" forName="composite" refType="h"/>
+      <dgm:constr type="h" for="ch" forName="spaceBetweenRectangles" refType="w" refFor="ch" refForName="composite" fact="-0.042"/>
+      <dgm:constr type="sp" refType="h" refFor="ch" refForName="composite" op="equ" fact="0.1"/>
+    </dgm:constrLst>
+    <dgm:forEach name="nodesForEach" axis="ch" ptType="node">
+      <dgm:layoutNode name="composite">
+        <dgm:alg type="composite">
+          <dgm:param type="ar" val="3.6"/>
+        </dgm:alg>
+        <dgm:shape xmlns:r="http://schemas.openxmlformats.org/officeDocument/2006/relationships" r:blip="">
+          <dgm:adjLst/>
+        </dgm:shape>
+        <dgm:choose name="Name1">
+          <dgm:if name="Name2" func="var" arg="dir" op="equ" val="norm">
+            <dgm:choose name="Name3">
+              <dgm:if name="Name4" axis="self" ptType="node" func="posOdd" op="equ" val="1">
+                <dgm:constrLst>
+                  <dgm:constr type="l" for="ch" forName="Accent1" refType="w" fact="0.18"/>
+                  <dgm:constr type="t" for="ch" forName="Accent1" refType="h" fact="0"/>
+                  <dgm:constr type="h" for="ch" forName="Accent1" refType="h"/>
+                  <dgm:constr type="w" for="ch" forName="Accent1" refType="h" fact="0.87"/>
+                  <dgm:constr type="l" for="ch" forName="Accent1Text" refType="w" fact="0.18"/>
+                  <dgm:constr type="t" for="ch" forName="Accent1Text" refType="h" fact="0"/>
+                  <dgm:constr type="h" for="ch" forName="Accent1Text" refType="h"/>
+                  <dgm:constr type="w" for="ch" forName="Accent1Text" refType="h" fact="0.87"/>
+                  <dgm:constr type="l" for="ch" forName="Parent1" refType="w" fact="0.441"/>
+                  <dgm:constr type="t" for="ch" forName="Parent1" refType="h" fact="0"/>
+                  <dgm:constr type="h" for="ch" forName="Parent1" refType="h"/>
+                  <dgm:constr type="w" for="ch" forName="Parent1" refType="h" fact="0.87"/>
+                  <dgm:constr type="l" for="ch" forName="Childtext1" refType="w" fact="0.69"/>
+                  <dgm:constr type="t" for="ch" forName="Childtext1" refType="h" fact="0.2"/>
+                  <dgm:constr type="w" for="ch" forName="Childtext1" refType="w" fact="0.31"/>
+                  <dgm:constr type="h" for="ch" forName="Childtext1" refType="h" fact="0.6"/>
+                  <dgm:constr type="l" for="ch" forName="BalanceSpacing" refType="w" fact="0"/>
+                  <dgm:constr type="t" for="ch" forName="BalanceSpacing" refType="h" fact="0"/>
+                  <dgm:constr type="w" for="ch" forName="BalanceSpacing" refType="w"/>
+                  <dgm:constr type="h" for="ch" forName="BalanceSpacing" refType="h" fact="0.1"/>
+                  <dgm:constr type="l" for="ch" forName="BalanceSpacing1" refType="w" fact="0.69"/>
+                  <dgm:constr type="t" for="ch" forName="BalanceSpacing1" refType="h" fact="0.2"/>
+                  <dgm:constr type="w" for="ch" forName="BalanceSpacing1" refType="w" fact="0.31"/>
+                  <dgm:constr type="h" for="ch" forName="BalanceSpacing1" refType="h" fact="0.6"/>
+                </dgm:constrLst>
+              </dgm:if>
+              <dgm:else name="Name5">
+                <dgm:constrLst>
+                  <dgm:constr type="l" for="ch" forName="Accent1" refType="w" fact="0.571"/>
+                  <dgm:constr type="t" for="ch" forName="Accent1" refType="h" fact="0"/>
+                  <dgm:constr type="h" for="ch" forName="Accent1" refType="h"/>
+                  <dgm:constr type="w" for="ch" forName="Accent1" refType="h" fact="0.87"/>
+                  <dgm:constr type="l" for="ch" forName="Accent1Text" refType="w" fact="0.571"/>
+                  <dgm:constr type="t" for="ch" forName="Accent1Text" refType="h" fact="0"/>
+                  <dgm:constr type="h" for="ch" forName="Accent1Text" refType="h"/>
+                  <dgm:constr type="w" for="ch" forName="Accent1Text" refType="h" fact="0.87"/>
+                  <dgm:constr type="l" for="ch" forName="Parent1" refType="w" fact="0.31"/>
+                  <dgm:constr type="t" for="ch" forName="Parent1" refType="h" fact="0"/>
+                  <dgm:constr type="h" for="ch" forName="Parent1" refType="h"/>
+                  <dgm:constr type="w" for="ch" forName="Parent1" refType="h" fact="0.87"/>
+                  <dgm:constr type="l" for="ch" forName="Childtext1" refType="w" fact="0"/>
+                  <dgm:constr type="t" for="ch" forName="Childtext1" refType="h" fact="0.2"/>
+                  <dgm:constr type="w" for="ch" forName="Childtext1" refType="w" fact="0.3"/>
+                  <dgm:constr type="h" for="ch" forName="Childtext1" refType="h" fact="0.6"/>
+                  <dgm:constr type="l" for="ch" forName="BalanceSpacing" refType="w" fact="0.82"/>
+                  <dgm:constr type="t" for="ch" forName="BalanceSpacing" refType="h" fact="0"/>
+                  <dgm:constr type="w" for="ch" forName="BalanceSpacing" refType="w" fact="0.18"/>
+                  <dgm:constr type="h" for="ch" forName="BalanceSpacing" refType="h"/>
+                  <dgm:constr type="l" for="ch" forName="BalanceSpacing1" refType="w" fact="0"/>
+                  <dgm:constr type="t" for="ch" forName="BalanceSpacing1" refType="h" fact="0.2"/>
+                  <dgm:constr type="w" for="ch" forName="BalanceSpacing1" refType="w" fact="0.3"/>
+                  <dgm:constr type="h" for="ch" forName="BalanceSpacing1" refType="h" fact="0.6"/>
+                </dgm:constrLst>
+              </dgm:else>
+            </dgm:choose>
+          </dgm:if>
+          <dgm:else name="Name6">
+            <dgm:choose name="Name7">
+              <dgm:if name="Name8" axis="self" ptType="node" func="posOdd" op="equ" val="1">
+                <dgm:constrLst>
+                  <dgm:constr type="l" for="ch" forName="Accent1" refType="w" fact="0.571"/>
+                  <dgm:constr type="t" for="ch" forName="Accent1" refType="h" fact="0"/>
+                  <dgm:constr type="h" for="ch" forName="Accent1" refType="h"/>
+                  <dgm:constr type="w" for="ch" forName="Accent1" refType="h" fact="0.87"/>
+                  <dgm:constr type="l" for="ch" forName="Accent1Text" refType="w" fact="0.571"/>
+                  <dgm:constr type="t" for="ch" forName="Accent1Text" refType="h" fact="0"/>
+                  <dgm:constr type="h" for="ch" forName="Accent1Text" refType="h"/>
+                  <dgm:constr type="w" for="ch" forName="Accent1Text" refType="h" fact="0.87"/>
+                  <dgm:constr type="l" for="ch" forName="Parent1" refType="w" fact="0.31"/>
+                  <dgm:constr type="t" for="ch" forName="Parent1" refType="h" fact="0"/>
+                  <dgm:constr type="h" for="ch" forName="Parent1" refType="h"/>
+                  <dgm:constr type="w" for="ch" forName="Parent1" refType="h" fact="0.87"/>
+                  <dgm:constr type="l" for="ch" forName="Childtext1" refType="w" fact="0"/>
+                  <dgm:constr type="t" for="ch" forName="Childtext1" refType="h" fact="0.2"/>
+                  <dgm:constr type="w" for="ch" forName="Childtext1" refType="w" fact="0.3"/>
+                  <dgm:constr type="h" for="ch" forName="Childtext1" refType="h" fact="0.6"/>
+                  <dgm:constr type="l" for="ch" forName="BalanceSpacing" refType="w" fact="0.82"/>
+                  <dgm:constr type="t" for="ch" forName="BalanceSpacing" refType="h" fact="0"/>
+                  <dgm:constr type="w" for="ch" forName="BalanceSpacing" refType="w" fact="0.18"/>
+                  <dgm:constr type="h" for="ch" forName="BalanceSpacing" refType="h"/>
+                </dgm:constrLst>
+              </dgm:if>
+              <dgm:else name="Name9">
+                <dgm:constrLst>
+                  <dgm:constr type="l" for="ch" forName="Accent1" refType="w" fact="0.18"/>
+                  <dgm:constr type="t" for="ch" forName="Accent1" refType="h" fact="0"/>
+                  <dgm:constr type="h" for="ch" forName="Accent1" refType="h"/>
+                  <dgm:constr type="w" for="ch" forName="Accent1" refType="h" fact="0.87"/>
+                  <dgm:constr type="l" for="ch" forName="Accent1Text" refType="w" fact="0.18"/>
+                  <dgm:constr type="t" for="ch" forName="Accent1Text" refType="h" fact="0"/>
+                  <dgm:constr type="h" for="ch" forName="Accent1Text" refType="h"/>
+                  <dgm:constr type="w" for="ch" forName="Accent1Text" refType="h" fact="0.87"/>
+                  <dgm:constr type="l" for="ch" forName="Parent1" refType="w" fact="0.441"/>
+                  <dgm:constr type="t" for="ch" forName="Parent1" refType="h" fact="0"/>
+                  <dgm:constr type="h" for="ch" forName="Parent1" refType="h"/>
+                  <dgm:constr type="w" for="ch" forName="Parent1" refType="h" fact="0.87"/>
+                  <dgm:constr type="l" for="ch" forName="Childtext1" refType="w" fact="0.69"/>
+                  <dgm:constr type="t" for="ch" forName="Childtext1" refType="h" fact="0.2"/>
+                  <dgm:constr type="w" for="ch" forName="Childtext1" refType="w" fact="0.31"/>
+                  <dgm:constr type="h" for="ch" forName="Childtext1" refType="h" fact="0.6"/>
+                  <dgm:constr type="l" for="ch" forName="BalanceSpacing" refType="w" fact="0"/>
+                  <dgm:constr type="t" for="ch" forName="BalanceSpacing" refType="h" fact="0"/>
+                  <dgm:constr type="w" for="ch" forName="BalanceSpacing" refType="w" fact="0.18"/>
+                  <dgm:constr type="h" for="ch" forName="BalanceSpacing" refType="h"/>
+                </dgm:constrLst>
+              </dgm:else>
+            </dgm:choose>
+          </dgm:else>
+        </dgm:choose>
+        <dgm:layoutNode name="Parent1" styleLbl="node1">
+          <dgm:varLst>
+            <dgm:chMax val="1"/>
+            <dgm:chPref val="1"/>
+            <dgm:bulletEnabled val="1"/>
+          </dgm:varLst>
+          <dgm:alg type="tx"/>
+          <dgm:shape xmlns:r="http://schemas.openxmlformats.org/officeDocument/2006/relationships" rot="90" type="hexagon" r:blip="">
+            <dgm:adjLst>
+              <dgm:adj idx="1" val="0.25"/>
+              <dgm:adj idx="2" val="1.1547"/>
+            </dgm:adjLst>
+          </dgm:shape>
+          <dgm:presOf axis="self" ptType="node"/>
+          <dgm:constrLst>
+            <dgm:constr type="lMarg" refType="primFontSz" fact="0.3"/>
+            <dgm:constr type="rMarg" refType="primFontSz" fact="0.3"/>
+            <dgm:constr type="tMarg" refType="primFontSz" fact="0.3"/>
+            <dgm:constr type="bMarg" refType="primFontSz" fact="0.3"/>
+          </dgm:constrLst>
+          <dgm:ruleLst>
+            <dgm:rule type="primFontSz" val="5" fact="NaN" max="NaN"/>
+          </dgm:ruleLst>
+        </dgm:layoutNode>
+        <dgm:layoutNode name="Childtext1" styleLbl="revTx">
+          <dgm:varLst>
+            <dgm:chMax val="0"/>
+            <dgm:chPref val="0"/>
+            <dgm:bulletEnabled val="1"/>
+          </dgm:varLst>
+          <dgm:choose name="Name10">
+            <dgm:if name="Name11" func="var" arg="dir" op="equ" val="norm">
+              <dgm:choose name="Name12">
+                <dgm:if name="Name13" axis="self" ptType="node" func="posOdd" op="equ" val="1">
+                  <dgm:alg type="tx">
+                    <dgm:param type="parTxLTRAlign" val="l"/>
+                  </dgm:alg>
+                </dgm:if>
+                <dgm:else name="Name14">
+                  <dgm:alg type="tx">
+                    <dgm:param type="parTxLTRAlign" val="r"/>
+                  </dgm:alg>
+                </dgm:else>
+              </dgm:choose>
+            </dgm:if>
+            <dgm:else name="Name15">
+              <dgm:choose name="Name16">
+                <dgm:if name="Name17" axis="self" ptType="node" func="posOdd" op="equ" val="1">
+                  <dgm:alg type="tx">
+                    <dgm:param type="parTxLTRAlign" val="r"/>
+                  </dgm:alg>
+                </dgm:if>
+                <dgm:else name="Name18">
+                  <dgm:alg type="tx">
+                    <dgm:param type="parTxLTRAlign" val="l"/>
+                  </dgm:alg>
+                </dgm:else>
+              </dgm:choose>
+            </dgm:else>
+          </dgm:choose>
+          <dgm:shape xmlns:r="http://schemas.openxmlformats.org/officeDocument/2006/relationships" type="rect" r:blip="">
+            <dgm:adjLst/>
+          </dgm:shape>
+          <dgm:presOf axis="des" ptType="node"/>
+          <dgm:constrLst>
+            <dgm:constr type="lMarg" refType="primFontSz" fact="0.3"/>
+            <dgm:constr type="rMarg" refType="primFontSz" fact="0.3"/>
+            <dgm:constr type="tMarg" refType="primFontSz" fact="0.3"/>
+            <dgm:constr type="bMarg" refType="primFontSz" fact="0.3"/>
+          </dgm:constrLst>
+          <dgm:ruleLst>
+            <dgm:rule type="primFontSz" val="5" fact="NaN" max="NaN"/>
+          </dgm:ruleLst>
+        </dgm:layoutNode>
+        <dgm:layoutNode name="BalanceSpacing">
+          <dgm:alg type="sp"/>
+          <dgm:shape xmlns:r="http://schemas.openxmlformats.org/officeDocument/2006/relationships" r:blip="">
+            <dgm:adjLst/>
+          </dgm:shape>
+        </dgm:layoutNode>
+        <dgm:layoutNode name="BalanceSpacing1">
+          <dgm:alg type="sp"/>
+          <dgm:shape xmlns:r="http://schemas.openxmlformats.org/officeDocument/2006/relationships" r:blip="">
+            <dgm:adjLst/>
+          </dgm:shape>
+        </dgm:layoutNode>
+        <dgm:forEach name="Name19" axis="followSib" ptType="sibTrans" hideLastTrans="0" cnt="1">
+          <dgm:layoutNode name="Accent1Text" styleLbl="node1">
+            <dgm:alg type="tx"/>
+            <dgm:shape xmlns:r="http://schemas.openxmlformats.org/officeDocument/2006/relationships" rot="90" type="hexagon" r:blip="">
+              <dgm:adjLst>
+                <dgm:adj idx="1" val="0.25"/>
+                <dgm:adj idx="2" val="1.1547"/>
+              </dgm:adjLst>
+            </dgm:shape>
+            <dgm:presOf axis="self" ptType="sibTrans"/>
+            <dgm:constrLst>
+              <dgm:constr type="lMarg"/>
+              <dgm:constr type="rMarg"/>
+              <dgm:constr type="tMarg"/>
+              <dgm:constr type="bMarg"/>
+            </dgm:constrLst>
+            <dgm:ruleLst>
+              <dgm:rule type="primFontSz" val="5" fact="NaN" max="NaN"/>
+            </dgm:ruleLst>
+          </dgm:layoutNode>
+        </dgm:forEach>
+      </dgm:layoutNode>
+      <dgm:forEach name="Name20" axis="followSib" ptType="sibTrans" cnt="1">
+        <dgm:layoutNode name="spaceBetweenRectangles">
+          <dgm:alg type="sp"/>
+          <dgm:shape xmlns:r="http://schemas.openxmlformats.org/officeDocument/2006/relationships" r:blip="">
+            <dgm:adjLst/>
+          </dgm:shape>
+          <dgm:presOf/>
+          <dgm:constrLst/>
+          <dgm:ruleLst/>
+        </dgm:layoutNode>
+      </dgm:forEach>
+    </dgm:forEach>
+  </dgm:layoutNode>
+</dgm:layoutDef>
+</file>
+
+<file path=ppt/diagrams/quickStyle1.xml><?xml version="1.0" encoding="utf-8"?>
+<dgm:styleDef xmlns:dgm="http://schemas.openxmlformats.org/drawingml/2006/diagram" xmlns:a="http://schemas.openxmlformats.org/drawingml/2006/main" uniqueId="urn:microsoft.com/office/officeart/2005/8/quickstyle/simple1">
+  <dgm:title val=""/>
+  <dgm:desc val=""/>
+  <dgm:catLst>
+    <dgm:cat type="simple" pri="10100"/>
+  </dgm:catLst>
+  <dgm:scene3d>
+    <a:camera prst="orthographicFront"/>
+    <a:lightRig rig="threePt" dir="t"/>
+  </dgm:scene3d>
+  <dgm:styleLbl name="node0">
+    <dgm:scene3d>
+      <a:camera prst="orthographicFront"/>
+      <a:lightRig rig="threePt" dir="t"/>
+    </dgm:scene3d>
+    <dgm:sp3d/>
+    <dgm:txPr/>
+    <dgm:style>
+      <a:lnRef idx="2">
+        <a:scrgbClr r="0" g="0" b="0"/>
+      </a:lnRef>
+      <a:fillRef idx="1">
+        <a:scrgbClr r="0" g="0" b="0"/>
+      </a:fillRef>
+      <a:effectRef idx="0">
+        <a:scrgbClr r="0" g="0" b="0"/>
+      </a:effectRef>
+      <a:fontRef idx="minor">
+        <a:schemeClr val="lt1"/>
+      </a:fontRef>
+    </dgm:style>
+  </dgm:styleLbl>
+  <dgm:styleLbl name="lnNode1">
+    <dgm:scene3d>
+      <a:camera prst="orthographicFront"/>
+      <a:lightRig rig="threePt" dir="t"/>
+    </dgm:scene3d>
+    <dgm:sp3d/>
+    <dgm:txPr/>
+    <dgm:style>
+      <a:lnRef idx="2">
+        <a:scrgbClr r="0" g="0" b="0"/>
+      </a:lnRef>
+      <a:fillRef idx="1">
+        <a:scrgbClr r="0" g="0" b="0"/>
+      </a:fillRef>
+      <a:effectRef idx="0">
+        <a:scrgbClr r="0" g="0" b="0"/>
+      </a:effectRef>
+      <a:fontRef idx="minor">
+        <a:schemeClr val="lt1"/>
+      </a:fontRef>
+    </dgm:style>
+  </dgm:styleLbl>
+  <dgm:styleLbl name="vennNode1">
+    <dgm:scene3d>
+      <a:camera prst="orthographicFront"/>
+      <a:lightRig rig="threePt" dir="t"/>
+    </dgm:scene3d>
+    <dgm:sp3d/>
+    <dgm:txPr/>
+    <dgm:style>
+      <a:lnRef idx="2">
+        <a:scrgbClr r="0" g="0" b="0"/>
+      </a:lnRef>
+      <a:fillRef idx="1">
+        <a:scrgbClr r="0" g="0" b="0"/>
+      </a:fillRef>
+      <a:effectRef idx="0">
+        <a:scrgbClr r="0" g="0" b="0"/>
+      </a:effectRef>
+      <a:fontRef idx="minor">
+        <a:schemeClr val="tx1"/>
+      </a:fontRef>
+    </dgm:style>
+  </dgm:styleLbl>
+  <dgm:styleLbl name="alignNode1">
+    <dgm:scene3d>
+      <a:camera prst="orthographicFront"/>
+      <a:lightRig rig="threePt" dir="t"/>
+    </dgm:scene3d>
+    <dgm:sp3d/>
+    <dgm:txPr/>
+    <dgm:style>
+      <a:lnRef idx="2">
+        <a:scrgbClr r="0" g="0" b="0"/>
+      </a:lnRef>
+      <a:fillRef idx="1">
+        <a:scrgbClr r="0" g="0" b="0"/>
+      </a:fillRef>
+      <a:effectRef idx="0">
+        <a:scrgbClr r="0" g="0" b="0"/>
+      </a:effectRef>
+      <a:fontRef idx="minor">
+        <a:schemeClr val="lt1"/>
+      </a:fontRef>
+    </dgm:style>
+  </dgm:styleLbl>
+  <dgm:styleLbl name="node1">
+    <dgm:scene3d>
+      <a:camera prst="orthographicFront"/>
+      <a:lightRig rig="threePt" dir="t"/>
+    </dgm:scene3d>
+    <dgm:sp3d/>
+    <dgm:txPr/>
+    <dgm:style>
+      <a:lnRef idx="2">
+        <a:scrgbClr r="0" g="0" b="0"/>
+      </a:lnRef>
+      <a:fillRef idx="1">
+        <a:scrgbClr r="0" g="0" b="0"/>
+      </a:fillRef>
+      <a:effectRef idx="0">
+        <a:scrgbClr r="0" g="0" b="0"/>
+      </a:effectRef>
+      <a:fontRef idx="minor">
+        <a:schemeClr val="lt1"/>
+      </a:fontRef>
+    </dgm:style>
+  </dgm:styleLbl>
+  <dgm:styleLbl name="node2">
+    <dgm:scene3d>
+      <a:camera prst="orthographicFront"/>
+      <a:lightRig rig="threePt" dir="t"/>
+    </dgm:scene3d>
+    <dgm:sp3d/>
+    <dgm:txPr/>
+    <dgm:style>
+      <a:lnRef idx="2">
+        <a:scrgbClr r="0" g="0" b="0"/>
+      </a:lnRef>
+      <a:fillRef idx="1">
+        <a:scrgbClr r="0" g="0" b="0"/>
+      </a:fillRef>
+      <a:effectRef idx="0">
+        <a:scrgbClr r="0" g="0" b="0"/>
+      </a:effectRef>
+      <a:fontRef idx="minor">
+        <a:schemeClr val="lt1"/>
+      </a:fontRef>
+    </dgm:style>
+  </dgm:styleLbl>
+  <dgm:styleLbl name="node3">
+    <dgm:scene3d>
+      <a:camera prst="orthographicFront"/>
+      <a:lightRig rig="threePt" dir="t"/>
+    </dgm:scene3d>
+    <dgm:sp3d/>
+    <dgm:txPr/>
+    <dgm:style>
+      <a:lnRef idx="2">
+        <a:scrgbClr r="0" g="0" b="0"/>
+      </a:lnRef>
+      <a:fillRef idx="1">
+        <a:scrgbClr r="0" g="0" b="0"/>
+      </a:fillRef>
+      <a:effectRef idx="0">
+        <a:scrgbClr r="0" g="0" b="0"/>
+      </a:effectRef>
+      <a:fontRef idx="minor">
+        <a:schemeClr val="lt1"/>
+      </a:fontRef>
+    </dgm:style>
+  </dgm:styleLbl>
+  <dgm:styleLbl name="node4">
+    <dgm:scene3d>
+      <a:camera prst="orthographicFront"/>
+      <a:lightRig rig="threePt" dir="t"/>
+    </dgm:scene3d>
+    <dgm:sp3d/>
+    <dgm:txPr/>
+    <dgm:style>
+      <a:lnRef idx="2">
+        <a:scrgbClr r="0" g="0" b="0"/>
+      </a:lnRef>
+      <a:fillRef idx="1">
+        <a:scrgbClr r="0" g="0" b="0"/>
+      </a:fillRef>
+      <a:effectRef idx="0">
+        <a:scrgbClr r="0" g="0" b="0"/>
+      </a:effectRef>
+      <a:fontRef idx="minor">
+        <a:schemeClr val="lt1"/>
+      </a:fontRef>
+    </dgm:style>
+  </dgm:styleLbl>
+  <dgm:styleLbl name="fgImgPlace1">
+    <dgm:scene3d>
+      <a:camera prst="orthographicFront"/>
+      <a:lightRig rig="threePt" dir="t"/>
+    </dgm:scene3d>
+    <dgm:sp3d/>
+    <dgm:txPr/>
+    <dgm:style>
+      <a:lnRef idx="2">
+        <a:scrgbClr r="0" g="0" b="0"/>
+      </a:lnRef>
+      <a:fillRef idx="1">
+        <a:scrgbClr r="0" g="0" b="0"/>
+      </a:fillRef>
+      <a:effectRef idx="0">
+        <a:scrgbClr r="0" g="0" b="0"/>
+      </a:effectRef>
+      <a:fontRef idx="minor"/>
+    </dgm:style>
+  </dgm:styleLbl>
+  <dgm:styleLbl name="alignImgPlace1">
+    <dgm:scene3d>
+      <a:camera prst="orthographicFront"/>
+      <a:lightRig rig="threePt" dir="t"/>
+    </dgm:scene3d>
+    <dgm:sp3d/>
+    <dgm:txPr/>
+    <dgm:style>
+      <a:lnRef idx="2">
+        <a:scrgbClr r="0" g="0" b="0"/>
+      </a:lnRef>
+      <a:fillRef idx="1">
+        <a:scrgbClr r="0" g="0" b="0"/>
+      </a:fillRef>
+      <a:effectRef idx="0">
+        <a:scrgbClr r="0" g="0" b="0"/>
+      </a:effectRef>
+      <a:fontRef idx="minor"/>
+    </dgm:style>
+  </dgm:styleLbl>
+  <dgm:styleLbl name="bgImgPlace1">
+    <dgm:scene3d>
+      <a:camera prst="orthographicFront"/>
+      <a:lightRig rig="threePt" dir="t"/>
+    </dgm:scene3d>
+    <dgm:sp3d/>
+    <dgm:txPr/>
+    <dgm:style>
+      <a:lnRef idx="2">
+        <a:scrgbClr r="0" g="0" b="0"/>
+      </a:lnRef>
+      <a:fillRef idx="1">
+        <a:scrgbClr r="0" g="0" b="0"/>
+      </a:fillRef>
+      <a:effectRef idx="0">
+        <a:scrgbClr r="0" g="0" b="0"/>
+      </a:effectRef>
+      <a:fontRef idx="minor"/>
+    </dgm:style>
+  </dgm:styleLbl>
+  <dgm:styleLbl name="sibTrans2D1">
+    <dgm:scene3d>
+      <a:camera prst="orthographicFront"/>
+      <a:lightRig rig="threePt" dir="t"/>
+    </dgm:scene3d>
+    <dgm:sp3d/>
+    <dgm:txPr/>
+    <dgm:style>
+      <a:lnRef idx="0">
+        <a:scrgbClr r="0" g="0" b="0"/>
+      </a:lnRef>
+      <a:fillRef idx="1">
+        <a:scrgbClr r="0" g="0" b="0"/>
+      </a:fillRef>
+      <a:effectRef idx="0">
+        <a:scrgbClr r="0" g="0" b="0"/>
+      </a:effectRef>
+      <a:fontRef idx="minor">
+        <a:schemeClr val="lt1"/>
+      </a:fontRef>
+    </dgm:style>
+  </dgm:styleLbl>
+  <dgm:styleLbl name="fgSibTrans2D1">
+    <dgm:scene3d>
+      <a:camera prst="orthographicFront"/>
+      <a:lightRig rig="threePt" dir="t"/>
+    </dgm:scene3d>
+    <dgm:sp3d/>
+    <dgm:txPr/>
+    <dgm:style>
+      <a:lnRef idx="0">
+        <a:scrgbClr r="0" g="0" b="0"/>
+      </a:lnRef>
+      <a:fillRef idx="1">
+        <a:scrgbClr r="0" g="0" b="0"/>
+      </a:fillRef>
+      <a:effectRef idx="0">
+        <a:scrgbClr r="0" g="0" b="0"/>
+      </a:effectRef>
+      <a:fontRef idx="minor">
+        <a:schemeClr val="lt1"/>
+      </a:fontRef>
+    </dgm:style>
+  </dgm:styleLbl>
+  <dgm:styleLbl name="bgSibTrans2D1">
+    <dgm:scene3d>
+      <a:camera prst="orthographicFront"/>
+      <a:lightRig rig="threePt" dir="t"/>
+    </dgm:scene3d>
+    <dgm:sp3d/>
+    <dgm:txPr/>
+    <dgm:style>
+      <a:lnRef idx="0">
+        <a:scrgbClr r="0" g="0" b="0"/>
+      </a:lnRef>
+      <a:fillRef idx="1">
+        <a:scrgbClr r="0" g="0" b="0"/>
+      </a:fillRef>
+      <a:effectRef idx="0">
+        <a:scrgbClr r="0" g="0" b="0"/>
+      </a:effectRef>
+      <a:fontRef idx="minor">
+        <a:schemeClr val="lt1"/>
+      </a:fontRef>
+    </dgm:style>
+  </dgm:styleLbl>
+  <dgm:styleLbl name="sibTrans1D1">
+    <dgm:scene3d>
+      <a:camera prst="orthographicFront"/>
+      <a:lightRig rig="threePt" dir="t"/>
+    </dgm:scene3d>
+    <dgm:sp3d/>
+    <dgm:txPr/>
+    <dgm:style>
+      <a:lnRef idx="1">
+        <a:scrgbClr r="0" g="0" b="0"/>
+      </a:lnRef>
+      <a:fillRef idx="0">
+        <a:scrgbClr r="0" g="0" b="0"/>
+      </a:fillRef>
+      <a:effectRef idx="0">
+        <a:scrgbClr r="0" g="0" b="0"/>
+      </a:effectRef>
+      <a:fontRef idx="minor"/>
+    </dgm:style>
+  </dgm:styleLbl>
+  <dgm:styleLbl name="callout">
+    <dgm:scene3d>
+      <a:camera prst="orthographicFront"/>
+      <a:lightRig rig="threePt" dir="t"/>
+    </dgm:scene3d>
+    <dgm:sp3d/>
+    <dgm:txPr/>
+    <dgm:style>
+      <a:lnRef idx="2">
+        <a:scrgbClr r="0" g="0" b="0"/>
+      </a:lnRef>
+      <a:fillRef idx="1">
+        <a:scrgbClr r="0" g="0" b="0"/>
+      </a:fillRef>
+      <a:effectRef idx="0">
+        <a:scrgbClr r="0" g="0" b="0"/>
+      </a:effectRef>
+      <a:fontRef idx="minor"/>
+    </dgm:style>
+  </dgm:styleLbl>
+  <dgm:styleLbl name="asst0">
+    <dgm:scene3d>
+      <a:camera prst="orthographicFront"/>
+      <a:lightRig rig="threePt" dir="t"/>
+    </dgm:scene3d>
+    <dgm:sp3d/>
+    <dgm:txPr/>
+    <dgm:style>
+      <a:lnRef idx="2">
+        <a:scrgbClr r="0" g="0" b="0"/>
+      </a:lnRef>
+      <a:fillRef idx="1">
+        <a:scrgbClr r="0" g="0" b="0"/>
+      </a:fillRef>
+      <a:effectRef idx="0">
+        <a:scrgbClr r="0" g="0" b="0"/>
+      </a:effectRef>
+      <a:fontRef idx="minor">
+        <a:schemeClr val="lt1"/>
+      </a:fontRef>
+    </dgm:style>
+  </dgm:styleLbl>
+  <dgm:styleLbl name="asst1">
+    <dgm:scene3d>
+      <a:camera prst="orthographicFront"/>
+      <a:lightRig rig="threePt" dir="t"/>
+    </dgm:scene3d>
+    <dgm:sp3d/>
+    <dgm:txPr/>
+    <dgm:style>
+      <a:lnRef idx="2">
+        <a:scrgbClr r="0" g="0" b="0"/>
+      </a:lnRef>
+      <a:fillRef idx="1">
+        <a:scrgbClr r="0" g="0" b="0"/>
+      </a:fillRef>
+      <a:effectRef idx="0">
+        <a:scrgbClr r="0" g="0" b="0"/>
+      </a:effectRef>
+      <a:fontRef idx="minor">
+        <a:schemeClr val="lt1"/>
+      </a:fontRef>
+    </dgm:style>
+  </dgm:styleLbl>
+  <dgm:styleLbl name="asst2">
+    <dgm:scene3d>
+      <a:camera prst="orthographicFront"/>
+      <a:lightRig rig="threePt" dir="t"/>
+    </dgm:scene3d>
+    <dgm:sp3d/>
+    <dgm:txPr/>
+    <dgm:style>
+      <a:lnRef idx="2">
+        <a:scrgbClr r="0" g="0" b="0"/>
+      </a:lnRef>
+      <a:fillRef idx="1">
+        <a:scrgbClr r="0" g="0" b="0"/>
+      </a:fillRef>
+      <a:effectRef idx="0">
+        <a:scrgbClr r="0" g="0" b="0"/>
+      </a:effectRef>
+      <a:fontRef idx="minor">
+        <a:schemeClr val="lt1"/>
+      </a:fontRef>
+    </dgm:style>
+  </dgm:styleLbl>
+  <dgm:styleLbl name="asst3">
+    <dgm:scene3d>
+      <a:camera prst="orthographicFront"/>
+      <a:lightRig rig="threePt" dir="t"/>
+    </dgm:scene3d>
+    <dgm:sp3d/>
+    <dgm:txPr/>
+    <dgm:style>
+      <a:lnRef idx="2">
+        <a:scrgbClr r="0" g="0" b="0"/>
+      </a:lnRef>
+      <a:fillRef idx="1">
+        <a:scrgbClr r="0" g="0" b="0"/>
+      </a:fillRef>
+      <a:effectRef idx="0">
+        <a:scrgbClr r="0" g="0" b="0"/>
+      </a:effectRef>
+      <a:fontRef idx="minor">
+        <a:schemeClr val="lt1"/>
+      </a:fontRef>
+    </dgm:style>
+  </dgm:styleLbl>
+  <dgm:styleLbl name="asst4">
+    <dgm:scene3d>
+      <a:camera prst="orthographicFront"/>
+      <a:lightRig rig="threePt" dir="t"/>
+    </dgm:scene3d>
+    <dgm:sp3d/>
+    <dgm:txPr/>
+    <dgm:style>
+      <a:lnRef idx="2">
+        <a:scrgbClr r="0" g="0" b="0"/>
+      </a:lnRef>
+      <a:fillRef idx="1">
+        <a:scrgbClr r="0" g="0" b="0"/>
+      </a:fillRef>
+      <a:effectRef idx="0">
+        <a:scrgbClr r="0" g="0" b="0"/>
+      </a:effectRef>
+      <a:fontRef idx="minor">
+        <a:schemeClr val="lt1"/>
+      </a:fontRef>
+    </dgm:style>
+  </dgm:styleLbl>
+  <dgm:styleLbl name="parChTrans2D1">
+    <dgm:scene3d>
+      <a:camera prst="orthographicFront"/>
+      <a:lightRig rig="threePt" dir="t"/>
+    </dgm:scene3d>
+    <dgm:sp3d/>
+    <dgm:txPr/>
+    <dgm:style>
+      <a:lnRef idx="2">
+        <a:scrgbClr r="0" g="0" b="0"/>
+      </a:lnRef>
+      <a:fillRef idx="1">
+        <a:scrgbClr r="0" g="0" b="0"/>
+      </a:fillRef>
+      <a:effectRef idx="0">
+        <a:scrgbClr r="0" g="0" b="0"/>
+      </a:effectRef>
+      <a:fontRef idx="minor">
+        <a:schemeClr val="lt1"/>
+      </a:fontRef>
+    </dgm:style>
+  </dgm:styleLbl>
+  <dgm:styleLbl name="parChTrans2D2">
+    <dgm:scene3d>
+      <a:camera prst="orthographicFront"/>
+      <a:lightRig rig="threePt" dir="t"/>
+    </dgm:scene3d>
+    <dgm:sp3d/>
+    <dgm:txPr/>
+    <dgm:style>
+      <a:lnRef idx="2">
+        <a:scrgbClr r="0" g="0" b="0"/>
+      </a:lnRef>
+      <a:fillRef idx="1">
+        <a:scrgbClr r="0" g="0" b="0"/>
+      </a:fillRef>
+      <a:effectRef idx="0">
+        <a:scrgbClr r="0" g="0" b="0"/>
+      </a:effectRef>
+      <a:fontRef idx="minor">
+        <a:schemeClr val="lt1"/>
+      </a:fontRef>
+    </dgm:style>
+  </dgm:styleLbl>
+  <dgm:styleLbl name="parChTrans2D3">
+    <dgm:scene3d>
+      <a:camera prst="orthographicFront"/>
+      <a:lightRig rig="threePt" dir="t"/>
+    </dgm:scene3d>
+    <dgm:sp3d/>
+    <dgm:txPr/>
+    <dgm:style>
+      <a:lnRef idx="2">
+        <a:scrgbClr r="0" g="0" b="0"/>
+      </a:lnRef>
+      <a:fillRef idx="1">
+        <a:scrgbClr r="0" g="0" b="0"/>
+      </a:fillRef>
+      <a:effectRef idx="0">
+        <a:scrgbClr r="0" g="0" b="0"/>
+      </a:effectRef>
+      <a:fontRef idx="minor">
+        <a:schemeClr val="lt1"/>
+      </a:fontRef>
+    </dgm:style>
+  </dgm:styleLbl>
+  <dgm:styleLbl name="parChTrans2D4">
+    <dgm:scene3d>
+      <a:camera prst="orthographicFront"/>
+      <a:lightRig rig="threePt" dir="t"/>
+    </dgm:scene3d>
+    <dgm:sp3d/>
+    <dgm:txPr/>
+    <dgm:style>
+      <a:lnRef idx="2">
+        <a:scrgbClr r="0" g="0" b="0"/>
+      </a:lnRef>
+      <a:fillRef idx="1">
+        <a:scrgbClr r="0" g="0" b="0"/>
+      </a:fillRef>
+      <a:effectRef idx="0">
+        <a:scrgbClr r="0" g="0" b="0"/>
+      </a:effectRef>
+      <a:fontRef idx="minor">
+        <a:schemeClr val="lt1"/>
+      </a:fontRef>
+    </dgm:style>
+  </dgm:styleLbl>
+  <dgm:styleLbl name="parChTrans1D1">
+    <dgm:scene3d>
+      <a:camera prst="orthographicFront"/>
+      <a:lightRig rig="threePt" dir="t"/>
+    </dgm:scene3d>
+    <dgm:sp3d/>
+    <dgm:txPr/>
+    <dgm:style>
+      <a:lnRef idx="2">
+        <a:scrgbClr r="0" g="0" b="0"/>
+      </a:lnRef>
+      <a:fillRef idx="0">
+        <a:scrgbClr r="0" g="0" b="0"/>
+      </a:fillRef>
+      <a:effectRef idx="0">
+        <a:scrgbClr r="0" g="0" b="0"/>
+      </a:effectRef>
+      <a:fontRef idx="minor"/>
+    </dgm:style>
+  </dgm:styleLbl>
+  <dgm:styleLbl name="parChTrans1D2">
+    <dgm:scene3d>
+      <a:camera prst="orthographicFront"/>
+      <a:lightRig rig="threePt" dir="t"/>
+    </dgm:scene3d>
+    <dgm:sp3d/>
+    <dgm:txPr/>
+    <dgm:style>
+      <a:lnRef idx="2">
+        <a:scrgbClr r="0" g="0" b="0"/>
+      </a:lnRef>
+      <a:fillRef idx="0">
+        <a:scrgbClr r="0" g="0" b="0"/>
+      </a:fillRef>
+      <a:effectRef idx="0">
+        <a:scrgbClr r="0" g="0" b="0"/>
+      </a:effectRef>
+      <a:fontRef idx="minor"/>
+    </dgm:style>
+  </dgm:styleLbl>
+  <dgm:styleLbl name="parChTrans1D3">
+    <dgm:scene3d>
+      <a:camera prst="orthographicFront"/>
+      <a:lightRig rig="threePt" dir="t"/>
+    </dgm:scene3d>
+    <dgm:sp3d/>
+    <dgm:txPr/>
+    <dgm:style>
+      <a:lnRef idx="2">
+        <a:scrgbClr r="0" g="0" b="0"/>
+      </a:lnRef>
+      <a:fillRef idx="0">
+        <a:scrgbClr r="0" g="0" b="0"/>
+      </a:fillRef>
+      <a:effectRef idx="0">
+        <a:scrgbClr r="0" g="0" b="0"/>
+      </a:effectRef>
+      <a:fontRef idx="minor"/>
+    </dgm:style>
+  </dgm:styleLbl>
+  <dgm:styleLbl name="parChTrans1D4">
+    <dgm:scene3d>
+      <a:camera prst="orthographicFront"/>
+      <a:lightRig rig="threePt" dir="t"/>
+    </dgm:scene3d>
+    <dgm:sp3d/>
+    <dgm:txPr/>
+    <dgm:style>
+      <a:lnRef idx="2">
+        <a:scrgbClr r="0" g="0" b="0"/>
+      </a:lnRef>
+      <a:fillRef idx="0">
+        <a:scrgbClr r="0" g="0" b="0"/>
+      </a:fillRef>
+      <a:effectRef idx="0">
+        <a:scrgbClr r="0" g="0" b="0"/>
+      </a:effectRef>
+      <a:fontRef idx="minor"/>
+    </dgm:style>
+  </dgm:styleLbl>
+  <dgm:styleLbl name="fgAcc1">
+    <dgm:scene3d>
+      <a:camera prst="orthographicFront"/>
+      <a:lightRig rig="threePt" dir="t"/>
+    </dgm:scene3d>
+    <dgm:sp3d/>
+    <dgm:txPr/>
+    <dgm:style>
+      <a:lnRef idx="2">
+        <a:scrgbClr r="0" g="0" b="0"/>
+      </a:lnRef>
+      <a:fillRef idx="1">
+        <a:scrgbClr r="0" g="0" b="0"/>
+      </a:fillRef>
+      <a:effectRef idx="0">
+        <a:scrgbClr r="0" g="0" b="0"/>
+      </a:effectRef>
+      <a:fontRef idx="minor"/>
+    </dgm:style>
+  </dgm:styleLbl>
+  <dgm:styleLbl name="conFgAcc1">
+    <dgm:scene3d>
+      <a:camera prst="orthographicFront"/>
+      <a:lightRig rig="threePt" dir="t"/>
+    </dgm:scene3d>
+    <dgm:sp3d/>
+    <dgm:txPr/>
+    <dgm:style>
+      <a:lnRef idx="2">
+        <a:scrgbClr r="0" g="0" b="0"/>
+      </a:lnRef>
+      <a:fillRef idx="1">
+        <a:scrgbClr r="0" g="0" b="0"/>
+      </a:fillRef>
+      <a:effectRef idx="0">
+        <a:scrgbClr r="0" g="0" b="0"/>
+      </a:effectRef>
+      <a:fontRef idx="minor"/>
+    </dgm:style>
+  </dgm:styleLbl>
+  <dgm:styleLbl name="alignAcc1">
+    <dgm:scene3d>
+      <a:camera prst="orthographicFront"/>
+      <a:lightRig rig="threePt" dir="t"/>
+    </dgm:scene3d>
+    <dgm:sp3d/>
+    <dgm:txPr/>
+    <dgm:style>
+      <a:lnRef idx="2">
+        <a:scrgbClr r="0" g="0" b="0"/>
+      </a:lnRef>
+      <a:fillRef idx="1">
+        <a:scrgbClr r="0" g="0" b="0"/>
+      </a:fillRef>
+      <a:effectRef idx="0">
+        <a:scrgbClr r="0" g="0" b="0"/>
+      </a:effectRef>
+      <a:fontRef idx="minor"/>
+    </dgm:style>
+  </dgm:styleLbl>
+  <dgm:styleLbl name="trAlignAcc1">
+    <dgm:scene3d>
+      <a:camera prst="orthographicFront"/>
+      <a:lightRig rig="threePt" dir="t"/>
+    </dgm:scene3d>
+    <dgm:sp3d/>
+    <dgm:txPr/>
+    <dgm:style>
+      <a:lnRef idx="1">
+        <a:scrgbClr r="0" g="0" b="0"/>
+      </a:lnRef>
+      <a:fillRef idx="1">
+        <a:scrgbClr r="0" g="0" b="0"/>
+      </a:fillRef>
+      <a:effectRef idx="0">
+        <a:scrgbClr r="0" g="0" b="0"/>
+      </a:effectRef>
+      <a:fontRef idx="minor"/>
+    </dgm:style>
+  </dgm:styleLbl>
+  <dgm:styleLbl name="bgAcc1">
+    <dgm:scene3d>
+      <a:camera prst="orthographicFront"/>
+      <a:lightRig rig="threePt" dir="t"/>
+    </dgm:scene3d>
+    <dgm:sp3d/>
+    <dgm:txPr/>
+    <dgm:style>
+      <a:lnRef idx="2">
+        <a:scrgbClr r="0" g="0" b="0"/>
+      </a:lnRef>
+      <a:fillRef idx="1">
+        <a:scrgbClr r="0" g="0" b="0"/>
+      </a:fillRef>
+      <a:effectRef idx="0">
+        <a:scrgbClr r="0" g="0" b="0"/>
+      </a:effectRef>
+      <a:fontRef idx="minor"/>
+    </dgm:style>
+  </dgm:styleLbl>
+  <dgm:styleLbl name="solidFgAcc1">
+    <dgm:scene3d>
+      <a:camera prst="orthographicFront"/>
+      <a:lightRig rig="threePt" dir="t"/>
+    </dgm:scene3d>
+    <dgm:sp3d/>
+    <dgm:txPr/>
+    <dgm:style>
+      <a:lnRef idx="2">
+        <a:scrgbClr r="0" g="0" b="0"/>
+      </a:lnRef>
+      <a:fillRef idx="1">
+        <a:scrgbClr r="0" g="0" b="0"/>
+      </a:fillRef>
+      <a:effectRef idx="0">
+        <a:scrgbClr r="0" g="0" b="0"/>
+      </a:effectRef>
+      <a:fontRef idx="minor"/>
+    </dgm:style>
+  </dgm:styleLbl>
+  <dgm:styleLbl name="solidAlignAcc1">
+    <dgm:scene3d>
+      <a:camera prst="orthographicFront"/>
+      <a:lightRig rig="threePt" dir="t"/>
+    </dgm:scene3d>
+    <dgm:sp3d/>
+    <dgm:txPr/>
+    <dgm:style>
+      <a:lnRef idx="2">
+        <a:scrgbClr r="0" g="0" b="0"/>
+      </a:lnRef>
+      <a:fillRef idx="1">
+        <a:scrgbClr r="0" g="0" b="0"/>
+      </a:fillRef>
+      <a:effectRef idx="0">
+        <a:scrgbClr r="0" g="0" b="0"/>
+      </a:effectRef>
+      <a:fontRef idx="minor"/>
+    </dgm:style>
+  </dgm:styleLbl>
+  <dgm:styleLbl name="solidBgAcc1">
+    <dgm:scene3d>
+      <a:camera prst="orthographicFront"/>
+      <a:lightRig rig="threePt" dir="t"/>
+    </dgm:scene3d>
+    <dgm:sp3d/>
+    <dgm:txPr/>
+    <dgm:style>
+      <a:lnRef idx="2">
+        <a:scrgbClr r="0" g="0" b="0"/>
+      </a:lnRef>
+      <a:fillRef idx="1">
+        <a:scrgbClr r="0" g="0" b="0"/>
+      </a:fillRef>
+      <a:effectRef idx="0">
+        <a:scrgbClr r="0" g="0" b="0"/>
+      </a:effectRef>
+      <a:fontRef idx="minor"/>
+    </dgm:style>
+  </dgm:styleLbl>
+  <dgm:styleLbl name="fgAccFollowNode1">
+    <dgm:scene3d>
+      <a:camera prst="orthographicFront"/>
+      <a:lightRig rig="threePt" dir="t"/>
+    </dgm:scene3d>
+    <dgm:sp3d/>
+    <dgm:txPr/>
+    <dgm:style>
+      <a:lnRef idx="2">
+        <a:scrgbClr r="0" g="0" b="0"/>
+      </a:lnRef>
+      <a:fillRef idx="1">
+        <a:scrgbClr r="0" g="0" b="0"/>
+      </a:fillRef>
+      <a:effectRef idx="0">
+        <a:scrgbClr r="0" g="0" b="0"/>
+      </a:effectRef>
+      <a:fontRef idx="minor"/>
+    </dgm:style>
+  </dgm:styleLbl>
+  <dgm:styleLbl name="alignAccFollowNode1">
+    <dgm:scene3d>
+      <a:camera prst="orthographicFront"/>
+      <a:lightRig rig="threePt" dir="t"/>
+    </dgm:scene3d>
+    <dgm:sp3d/>
+    <dgm:txPr/>
+    <dgm:style>
+      <a:lnRef idx="2">
+        <a:scrgbClr r="0" g="0" b="0"/>
+      </a:lnRef>
+      <a:fillRef idx="1">
+        <a:scrgbClr r="0" g="0" b="0"/>
+      </a:fillRef>
+      <a:effectRef idx="0">
+        <a:scrgbClr r="0" g="0" b="0"/>
+      </a:effectRef>
+      <a:fontRef idx="minor"/>
+    </dgm:style>
+  </dgm:styleLbl>
+  <dgm:styleLbl name="bgAccFollowNode1">
+    <dgm:scene3d>
+      <a:camera prst="orthographicFront"/>
+      <a:lightRig rig="threePt" dir="t"/>
+    </dgm:scene3d>
+    <dgm:sp3d/>
+    <dgm:txPr/>
+    <dgm:style>
+      <a:lnRef idx="2">
+        <a:scrgbClr r="0" g="0" b="0"/>
+      </a:lnRef>
+      <a:fillRef idx="1">
+        <a:scrgbClr r="0" g="0" b="0"/>
+      </a:fillRef>
+      <a:effectRef idx="0">
+        <a:scrgbClr r="0" g="0" b="0"/>
+      </a:effectRef>
+      <a:fontRef idx="minor"/>
+    </dgm:style>
+  </dgm:styleLbl>
+  <dgm:styleLbl name="fgAcc0">
+    <dgm:scene3d>
+      <a:camera prst="orthographicFront"/>
+      <a:lightRig rig="threePt" dir="t"/>
+    </dgm:scene3d>
+    <dgm:sp3d/>
+    <dgm:txPr/>
+    <dgm:style>
+      <a:lnRef idx="2">
+        <a:scrgbClr r="0" g="0" b="0"/>
+      </a:lnRef>
+      <a:fillRef idx="1">
+        <a:scrgbClr r="0" g="0" b="0"/>
+      </a:fillRef>
+      <a:effectRef idx="0">
+        <a:scrgbClr r="0" g="0" b="0"/>
+      </a:effectRef>
+      <a:fontRef idx="minor"/>
+    </dgm:style>
+  </dgm:styleLbl>
+  <dgm:styleLbl name="fgAcc2">
+    <dgm:scene3d>
+      <a:camera prst="orthographicFront"/>
+      <a:lightRig rig="threePt" dir="t"/>
+    </dgm:scene3d>
+    <dgm:sp3d/>
+    <dgm:txPr/>
+    <dgm:style>
+      <a:lnRef idx="2">
+        <a:scrgbClr r="0" g="0" b="0"/>
+      </a:lnRef>
+      <a:fillRef idx="1">
+        <a:scrgbClr r="0" g="0" b="0"/>
+      </a:fillRef>
+      <a:effectRef idx="0">
+        <a:scrgbClr r="0" g="0" b="0"/>
+      </a:effectRef>
+      <a:fontRef idx="minor"/>
+    </dgm:style>
+  </dgm:styleLbl>
+  <dgm:styleLbl name="fgAcc3">
+    <dgm:scene3d>
+      <a:camera prst="orthographicFront"/>
+      <a:lightRig rig="threePt" dir="t"/>
+    </dgm:scene3d>
+    <dgm:sp3d/>
+    <dgm:txPr/>
+    <dgm:style>
+      <a:lnRef idx="2">
+        <a:scrgbClr r="0" g="0" b="0"/>
+      </a:lnRef>
+      <a:fillRef idx="1">
+        <a:scrgbClr r="0" g="0" b="0"/>
+      </a:fillRef>
+      <a:effectRef idx="0">
+        <a:scrgbClr r="0" g="0" b="0"/>
+      </a:effectRef>
+      <a:fontRef idx="minor"/>
+    </dgm:style>
+  </dgm:styleLbl>
+  <dgm:styleLbl name="fgAcc4">
+    <dgm:scene3d>
+      <a:camera prst="orthographicFront"/>
+      <a:lightRig rig="threePt" dir="t"/>
+    </dgm:scene3d>
+    <dgm:sp3d/>
+    <dgm:txPr/>
+    <dgm:style>
+      <a:lnRef idx="2">
+        <a:scrgbClr r="0" g="0" b="0"/>
+      </a:lnRef>
+      <a:fillRef idx="1">
+        <a:scrgbClr r="0" g="0" b="0"/>
+      </a:fillRef>
+      <a:effectRef idx="0">
+        <a:scrgbClr r="0" g="0" b="0"/>
+      </a:effectRef>
+      <a:fontRef idx="minor"/>
+    </dgm:style>
+  </dgm:styleLbl>
+  <dgm:styleLbl name="bgShp">
+    <dgm:scene3d>
+      <a:camera prst="orthographicFront"/>
+      <a:lightRig rig="threePt" dir="t"/>
+    </dgm:scene3d>
+    <dgm:sp3d/>
+    <dgm:txPr/>
+    <dgm:style>
+      <a:lnRef idx="0">
+        <a:scrgbClr r="0" g="0" b="0"/>
+      </a:lnRef>
+      <a:fillRef idx="1">
+        <a:scrgbClr r="0" g="0" b="0"/>
+      </a:fillRef>
+      <a:effectRef idx="0">
+        <a:scrgbClr r="0" g="0" b="0"/>
+      </a:effectRef>
+      <a:fontRef idx="minor"/>
+    </dgm:style>
+  </dgm:styleLbl>
+  <dgm:styleLbl name="dkBgShp">
+    <dgm:scene3d>
+      <a:camera prst="orthographicFront"/>
+      <a:lightRig rig="threePt" dir="t"/>
+    </dgm:scene3d>
+    <dgm:sp3d/>
+    <dgm:txPr/>
+    <dgm:style>
+      <a:lnRef idx="0">
+        <a:scrgbClr r="0" g="0" b="0"/>
+      </a:lnRef>
+      <a:fillRef idx="1">
+        <a:scrgbClr r="0" g="0" b="0"/>
+      </a:fillRef>
+      <a:effectRef idx="0">
+        <a:scrgbClr r="0" g="0" b="0"/>
+      </a:effectRef>
+      <a:fontRef idx="minor"/>
+    </dgm:style>
+  </dgm:styleLbl>
+  <dgm:styleLbl name="trBgShp">
+    <dgm:scene3d>
+      <a:camera prst="orthographicFront"/>
+      <a:lightRig rig="threePt" dir="t"/>
+    </dgm:scene3d>
+    <dgm:sp3d/>
+    <dgm:txPr/>
+    <dgm:style>
+      <a:lnRef idx="0">
+        <a:scrgbClr r="0" g="0" b="0"/>
+      </a:lnRef>
+      <a:fillRef idx="1">
+        <a:scrgbClr r="0" g="0" b="0"/>
+      </a:fillRef>
+      <a:effectRef idx="0">
+        <a:scrgbClr r="0" g="0" b="0"/>
+      </a:effectRef>
+      <a:fontRef idx="minor"/>
+    </dgm:style>
+  </dgm:styleLbl>
+  <dgm:styleLbl name="fgShp">
+    <dgm:scene3d>
+      <a:camera prst="orthographicFront"/>
+      <a:lightRig rig="threePt" dir="t"/>
+    </dgm:scene3d>
+    <dgm:sp3d/>
+    <dgm:txPr/>
+    <dgm:style>
+      <a:lnRef idx="2">
+        <a:scrgbClr r="0" g="0" b="0"/>
+      </a:lnRef>
+      <a:fillRef idx="1">
+        <a:scrgbClr r="0" g="0" b="0"/>
+      </a:fillRef>
+      <a:effectRef idx="0">
+        <a:scrgbClr r="0" g="0" b="0"/>
+      </a:effectRef>
+      <a:fontRef idx="minor"/>
+    </dgm:style>
+  </dgm:styleLbl>
+  <dgm:styleLbl name="revTx">
+    <dgm:scene3d>
+      <a:camera prst="orthographicFront"/>
+      <a:lightRig rig="threePt" dir="t"/>
+    </dgm:scene3d>
+    <dgm:sp3d/>
+    <dgm:txPr/>
+    <dgm:style>
+      <a:lnRef idx="0">
+        <a:scrgbClr r="0" g="0" b="0"/>
+      </a:lnRef>
+      <a:fillRef idx="0">
+        <a:scrgbClr r="0" g="0" b="0"/>
+      </a:fillRef>
+      <a:effectRef idx="0">
+        <a:scrgbClr r="0" g="0" b="0"/>
+      </a:effectRef>
+      <a:fontRef idx="minor"/>
+    </dgm:style>
+  </dgm:styleLbl>
+</dgm:styleDef>
+</file>
+
 <file path=ppt/notesMasters/notesMaster1.xml><?xml version="1.0" encoding="utf-8"?>
 <p:notesMaster xmlns:a="http://schemas.openxmlformats.org/drawingml/2006/main" xmlns:r="http://schemas.openxmlformats.org/officeDocument/2006/relationships" xmlns:p="http://schemas.openxmlformats.org/presentationml/2006/main">
   <p:cSld>
@@ -210,7 +3557,7 @@
           <a:p>
             <a:fld id="{829575D6-2B28-406B-9218-75EE9A896B97}" type="datetimeFigureOut">
               <a:rPr lang="de-DE" smtClean="0"/>
-              <a:t>24.06.2018</a:t>
+              <a:t>25.06.2018</a:t>
             </a:fld>
             <a:endParaRPr lang="de-DE"/>
           </a:p>
@@ -1674,7 +5021,7 @@
             <a:pPr lvl="0"/>
             <a:fld id="{3F390F32-C49A-4DCB-85D8-9F853B37474E}" type="datetime1">
               <a:rPr lang="de-DE" smtClean="0"/>
-              <a:t>24.06.2018</a:t>
+              <a:t>25.06.2018</a:t>
             </a:fld>
             <a:endParaRPr lang="de-DE"/>
           </a:p>
@@ -2299,6 +5646,555 @@
       </p:grpSpPr>
       <p:sp>
         <p:nvSpPr>
+          <p:cNvPr id="2" name="Titel 1">
+            <a:extLst>
+              <a:ext uri="{FF2B5EF4-FFF2-40B4-BE49-F238E27FC236}">
+                <a16:creationId xmlns:a16="http://schemas.microsoft.com/office/drawing/2014/main" id="{BF7EC7FE-C0B3-42E2-862F-1C914449E483}"/>
+              </a:ext>
+            </a:extLst>
+          </p:cNvPr>
+          <p:cNvSpPr>
+            <a:spLocks noGrp="1"/>
+          </p:cNvSpPr>
+          <p:nvPr>
+            <p:ph type="title"/>
+          </p:nvPr>
+        </p:nvSpPr>
+        <p:spPr/>
+        <p:txBody>
+          <a:bodyPr>
+            <a:normAutofit fontScale="90000"/>
+          </a:bodyPr>
+          <a:lstStyle/>
+          <a:p>
+            <a:r>
+              <a:rPr lang="de-DE" dirty="0" err="1"/>
+              <a:t>Challanges</a:t>
+            </a:r>
+            <a:r>
+              <a:rPr lang="de-DE" dirty="0"/>
+              <a:t> &amp; </a:t>
+            </a:r>
+            <a:r>
+              <a:rPr lang="de-DE" dirty="0" err="1"/>
+              <a:t>Opportunities</a:t>
+            </a:r>
+            <a:endParaRPr lang="de-DE" dirty="0"/>
+          </a:p>
+        </p:txBody>
+      </p:sp>
+      <p:pic>
+        <p:nvPicPr>
+          <p:cNvPr id="7" name="Grafik 6">
+            <a:extLst>
+              <a:ext uri="{FF2B5EF4-FFF2-40B4-BE49-F238E27FC236}">
+                <a16:creationId xmlns:a16="http://schemas.microsoft.com/office/drawing/2014/main" id="{290E0B3A-BFF8-4907-B607-8C2AD0509410}"/>
+              </a:ext>
+            </a:extLst>
+          </p:cNvPr>
+          <p:cNvPicPr>
+            <a:picLocks noChangeAspect="1"/>
+          </p:cNvPicPr>
+          <p:nvPr/>
+        </p:nvPicPr>
+        <p:blipFill>
+          <a:blip r:embed="rId2">
+            <a:extLst>
+              <a:ext uri="{28A0092B-C50C-407E-A947-70E740481C1C}">
+                <a14:useLocalDpi xmlns:a14="http://schemas.microsoft.com/office/drawing/2010/main" val="0"/>
+              </a:ext>
+            </a:extLst>
+          </a:blip>
+          <a:stretch>
+            <a:fillRect/>
+          </a:stretch>
+        </p:blipFill>
+        <p:spPr>
+          <a:xfrm>
+            <a:off x="3127424" y="1239336"/>
+            <a:ext cx="4090327" cy="2302854"/>
+          </a:xfrm>
+          <a:prstGeom prst="rect">
+            <a:avLst/>
+          </a:prstGeom>
+        </p:spPr>
+      </p:pic>
+      <p:pic>
+        <p:nvPicPr>
+          <p:cNvPr id="6" name="Grafik 5">
+            <a:extLst>
+              <a:ext uri="{FF2B5EF4-FFF2-40B4-BE49-F238E27FC236}">
+                <a16:creationId xmlns:a16="http://schemas.microsoft.com/office/drawing/2014/main" id="{3272802B-7F1F-44FB-9BA5-EAF4AA5A7915}"/>
+              </a:ext>
+            </a:extLst>
+          </p:cNvPr>
+          <p:cNvPicPr>
+            <a:picLocks noChangeAspect="1"/>
+          </p:cNvPicPr>
+          <p:nvPr/>
+        </p:nvPicPr>
+        <p:blipFill>
+          <a:blip r:embed="rId3">
+            <a:extLst>
+              <a:ext uri="{28A0092B-C50C-407E-A947-70E740481C1C}">
+                <a14:useLocalDpi xmlns:a14="http://schemas.microsoft.com/office/drawing/2010/main" val="0"/>
+              </a:ext>
+            </a:extLst>
+          </a:blip>
+          <a:stretch>
+            <a:fillRect/>
+          </a:stretch>
+        </p:blipFill>
+        <p:spPr>
+          <a:xfrm>
+            <a:off x="6338657" y="2390763"/>
+            <a:ext cx="5622524" cy="3162670"/>
+          </a:xfrm>
+          <a:prstGeom prst="rect">
+            <a:avLst/>
+          </a:prstGeom>
+        </p:spPr>
+      </p:pic>
+    </p:spTree>
+    <p:extLst>
+      <p:ext uri="{BB962C8B-B14F-4D97-AF65-F5344CB8AC3E}">
+        <p14:creationId xmlns:p14="http://schemas.microsoft.com/office/powerpoint/2010/main" val="743507211"/>
+      </p:ext>
+    </p:extLst>
+  </p:cSld>
+  <p:clrMapOvr>
+    <a:masterClrMapping/>
+  </p:clrMapOvr>
+</p:sld>
+</file>
+
+<file path=ppt/slides/slide11.xml><?xml version="1.0" encoding="utf-8"?>
+<p:sld xmlns:a="http://schemas.openxmlformats.org/drawingml/2006/main" xmlns:r="http://schemas.openxmlformats.org/officeDocument/2006/relationships" xmlns:p="http://schemas.openxmlformats.org/presentationml/2006/main">
+  <p:cSld>
+    <p:spTree>
+      <p:nvGrpSpPr>
+        <p:cNvPr id="1" name=""/>
+        <p:cNvGrpSpPr/>
+        <p:nvPr/>
+      </p:nvGrpSpPr>
+      <p:grpSpPr>
+        <a:xfrm>
+          <a:off x="0" y="0"/>
+          <a:ext cx="0" cy="0"/>
+          <a:chOff x="0" y="0"/>
+          <a:chExt cx="0" cy="0"/>
+        </a:xfrm>
+      </p:grpSpPr>
+      <p:sp>
+        <p:nvSpPr>
+          <p:cNvPr id="2" name="Titel 1">
+            <a:extLst>
+              <a:ext uri="{FF2B5EF4-FFF2-40B4-BE49-F238E27FC236}">
+                <a16:creationId xmlns:a16="http://schemas.microsoft.com/office/drawing/2014/main" id="{BF7EC7FE-C0B3-42E2-862F-1C914449E483}"/>
+              </a:ext>
+            </a:extLst>
+          </p:cNvPr>
+          <p:cNvSpPr>
+            <a:spLocks noGrp="1"/>
+          </p:cNvSpPr>
+          <p:nvPr>
+            <p:ph type="title"/>
+          </p:nvPr>
+        </p:nvSpPr>
+        <p:spPr/>
+        <p:txBody>
+          <a:bodyPr>
+            <a:normAutofit fontScale="90000"/>
+          </a:bodyPr>
+          <a:lstStyle/>
+          <a:p>
+            <a:r>
+              <a:rPr lang="de-DE" dirty="0" err="1"/>
+              <a:t>Challanges</a:t>
+            </a:r>
+            <a:r>
+              <a:rPr lang="de-DE" dirty="0"/>
+              <a:t> &amp; </a:t>
+            </a:r>
+            <a:r>
+              <a:rPr lang="de-DE" dirty="0" err="1"/>
+              <a:t>Opportunities</a:t>
+            </a:r>
+            <a:endParaRPr lang="de-DE" dirty="0"/>
+          </a:p>
+        </p:txBody>
+      </p:sp>
+      <p:pic>
+        <p:nvPicPr>
+          <p:cNvPr id="7" name="Grafik 6">
+            <a:extLst>
+              <a:ext uri="{FF2B5EF4-FFF2-40B4-BE49-F238E27FC236}">
+                <a16:creationId xmlns:a16="http://schemas.microsoft.com/office/drawing/2014/main" id="{290E0B3A-BFF8-4907-B607-8C2AD0509410}"/>
+              </a:ext>
+            </a:extLst>
+          </p:cNvPr>
+          <p:cNvPicPr>
+            <a:picLocks noChangeAspect="1"/>
+          </p:cNvPicPr>
+          <p:nvPr/>
+        </p:nvPicPr>
+        <p:blipFill>
+          <a:blip r:embed="rId2">
+            <a:extLst>
+              <a:ext uri="{28A0092B-C50C-407E-A947-70E740481C1C}">
+                <a14:useLocalDpi xmlns:a14="http://schemas.microsoft.com/office/drawing/2010/main" val="0"/>
+              </a:ext>
+            </a:extLst>
+          </a:blip>
+          <a:stretch>
+            <a:fillRect/>
+          </a:stretch>
+        </p:blipFill>
+        <p:spPr>
+          <a:xfrm>
+            <a:off x="3127424" y="1239336"/>
+            <a:ext cx="4090327" cy="2302854"/>
+          </a:xfrm>
+          <a:prstGeom prst="rect">
+            <a:avLst/>
+          </a:prstGeom>
+        </p:spPr>
+      </p:pic>
+      <p:pic>
+        <p:nvPicPr>
+          <p:cNvPr id="6" name="Grafik 5">
+            <a:extLst>
+              <a:ext uri="{FF2B5EF4-FFF2-40B4-BE49-F238E27FC236}">
+                <a16:creationId xmlns:a16="http://schemas.microsoft.com/office/drawing/2014/main" id="{3272802B-7F1F-44FB-9BA5-EAF4AA5A7915}"/>
+              </a:ext>
+            </a:extLst>
+          </p:cNvPr>
+          <p:cNvPicPr>
+            <a:picLocks noChangeAspect="1"/>
+          </p:cNvPicPr>
+          <p:nvPr/>
+        </p:nvPicPr>
+        <p:blipFill>
+          <a:blip r:embed="rId3">
+            <a:extLst>
+              <a:ext uri="{28A0092B-C50C-407E-A947-70E740481C1C}">
+                <a14:useLocalDpi xmlns:a14="http://schemas.microsoft.com/office/drawing/2010/main" val="0"/>
+              </a:ext>
+            </a:extLst>
+          </a:blip>
+          <a:stretch>
+            <a:fillRect/>
+          </a:stretch>
+        </p:blipFill>
+        <p:spPr>
+          <a:xfrm>
+            <a:off x="6338657" y="2390763"/>
+            <a:ext cx="5622524" cy="3162670"/>
+          </a:xfrm>
+          <a:prstGeom prst="rect">
+            <a:avLst/>
+          </a:prstGeom>
+        </p:spPr>
+      </p:pic>
+      <p:pic>
+        <p:nvPicPr>
+          <p:cNvPr id="4" name="Grafik 3">
+            <a:extLst>
+              <a:ext uri="{FF2B5EF4-FFF2-40B4-BE49-F238E27FC236}">
+                <a16:creationId xmlns:a16="http://schemas.microsoft.com/office/drawing/2014/main" id="{3288104C-34B3-49F0-98B3-570B70391161}"/>
+              </a:ext>
+            </a:extLst>
+          </p:cNvPr>
+          <p:cNvPicPr>
+            <a:picLocks noChangeAspect="1"/>
+          </p:cNvPicPr>
+          <p:nvPr/>
+        </p:nvPicPr>
+        <p:blipFill>
+          <a:blip r:embed="rId4">
+            <a:extLst>
+              <a:ext uri="{28A0092B-C50C-407E-A947-70E740481C1C}">
+                <a14:useLocalDpi xmlns:a14="http://schemas.microsoft.com/office/drawing/2010/main" val="0"/>
+              </a:ext>
+            </a:extLst>
+          </a:blip>
+          <a:stretch>
+            <a:fillRect/>
+          </a:stretch>
+        </p:blipFill>
+        <p:spPr>
+          <a:xfrm>
+            <a:off x="1398962" y="3381377"/>
+            <a:ext cx="5460336" cy="3077127"/>
+          </a:xfrm>
+          <a:prstGeom prst="rect">
+            <a:avLst/>
+          </a:prstGeom>
+        </p:spPr>
+      </p:pic>
+    </p:spTree>
+    <p:extLst>
+      <p:ext uri="{BB962C8B-B14F-4D97-AF65-F5344CB8AC3E}">
+        <p14:creationId xmlns:p14="http://schemas.microsoft.com/office/powerpoint/2010/main" val="3705261555"/>
+      </p:ext>
+    </p:extLst>
+  </p:cSld>
+  <p:clrMapOvr>
+    <a:masterClrMapping/>
+  </p:clrMapOvr>
+</p:sld>
+</file>
+
+<file path=ppt/slides/slide12.xml><?xml version="1.0" encoding="utf-8"?>
+<p:sld xmlns:a="http://schemas.openxmlformats.org/drawingml/2006/main" xmlns:r="http://schemas.openxmlformats.org/officeDocument/2006/relationships" xmlns:p="http://schemas.openxmlformats.org/presentationml/2006/main">
+  <p:cSld>
+    <p:spTree>
+      <p:nvGrpSpPr>
+        <p:cNvPr id="1" name=""/>
+        <p:cNvGrpSpPr/>
+        <p:nvPr/>
+      </p:nvGrpSpPr>
+      <p:grpSpPr>
+        <a:xfrm>
+          <a:off x="0" y="0"/>
+          <a:ext cx="0" cy="0"/>
+          <a:chOff x="0" y="0"/>
+          <a:chExt cx="0" cy="0"/>
+        </a:xfrm>
+      </p:grpSpPr>
+      <p:sp>
+        <p:nvSpPr>
+          <p:cNvPr id="2" name="Titel 1">
+            <a:extLst>
+              <a:ext uri="{FF2B5EF4-FFF2-40B4-BE49-F238E27FC236}">
+                <a16:creationId xmlns:a16="http://schemas.microsoft.com/office/drawing/2014/main" id="{FAE15A0D-1D59-4155-B9B3-9F7432EB0AFF}"/>
+              </a:ext>
+            </a:extLst>
+          </p:cNvPr>
+          <p:cNvSpPr>
+            <a:spLocks noGrp="1"/>
+          </p:cNvSpPr>
+          <p:nvPr>
+            <p:ph type="title"/>
+          </p:nvPr>
+        </p:nvSpPr>
+        <p:spPr/>
+        <p:txBody>
+          <a:bodyPr>
+            <a:normAutofit fontScale="90000"/>
+          </a:bodyPr>
+          <a:lstStyle/>
+          <a:p>
+            <a:r>
+              <a:rPr lang="de-DE" dirty="0" err="1"/>
+              <a:t>Challenges</a:t>
+            </a:r>
+            <a:r>
+              <a:rPr lang="de-DE" dirty="0"/>
+              <a:t> &amp; </a:t>
+            </a:r>
+            <a:r>
+              <a:rPr lang="de-DE" dirty="0" err="1"/>
+              <a:t>Opportunities</a:t>
+            </a:r>
+            <a:endParaRPr lang="de-DE" dirty="0"/>
+          </a:p>
+        </p:txBody>
+      </p:sp>
+      <p:pic>
+        <p:nvPicPr>
+          <p:cNvPr id="5" name="Grafik 4">
+            <a:extLst>
+              <a:ext uri="{FF2B5EF4-FFF2-40B4-BE49-F238E27FC236}">
+                <a16:creationId xmlns:a16="http://schemas.microsoft.com/office/drawing/2014/main" id="{20A83DFD-0A4C-462E-9C9F-6C0401CF6498}"/>
+              </a:ext>
+            </a:extLst>
+          </p:cNvPr>
+          <p:cNvPicPr>
+            <a:picLocks noChangeAspect="1"/>
+          </p:cNvPicPr>
+          <p:nvPr/>
+        </p:nvPicPr>
+        <p:blipFill>
+          <a:blip r:embed="rId2">
+            <a:extLst>
+              <a:ext uri="{28A0092B-C50C-407E-A947-70E740481C1C}">
+                <a14:useLocalDpi xmlns:a14="http://schemas.microsoft.com/office/drawing/2010/main" val="0"/>
+              </a:ext>
+            </a:extLst>
+          </a:blip>
+          <a:stretch>
+            <a:fillRect/>
+          </a:stretch>
+        </p:blipFill>
+        <p:spPr>
+          <a:xfrm>
+            <a:off x="3103784" y="1362249"/>
+            <a:ext cx="5984432" cy="3366243"/>
+          </a:xfrm>
+          <a:prstGeom prst="rect">
+            <a:avLst/>
+          </a:prstGeom>
+        </p:spPr>
+      </p:pic>
+      <p:sp>
+        <p:nvSpPr>
+          <p:cNvPr id="6" name="Rechteck 5">
+            <a:extLst>
+              <a:ext uri="{FF2B5EF4-FFF2-40B4-BE49-F238E27FC236}">
+                <a16:creationId xmlns:a16="http://schemas.microsoft.com/office/drawing/2014/main" id="{2A3F5144-6F1B-46B9-874F-1F2C219D538F}"/>
+              </a:ext>
+            </a:extLst>
+          </p:cNvPr>
+          <p:cNvSpPr/>
+          <p:nvPr/>
+        </p:nvSpPr>
+        <p:spPr>
+          <a:xfrm>
+            <a:off x="969632" y="4973968"/>
+            <a:ext cx="3939898" cy="1108683"/>
+          </a:xfrm>
+          <a:prstGeom prst="rect">
+            <a:avLst/>
+          </a:prstGeom>
+          <a:solidFill>
+            <a:schemeClr val="bg2">
+              <a:lumMod val="75000"/>
+            </a:schemeClr>
+          </a:solidFill>
+          <a:ln>
+            <a:solidFill>
+              <a:schemeClr val="bg2">
+                <a:lumMod val="75000"/>
+              </a:schemeClr>
+            </a:solidFill>
+          </a:ln>
+        </p:spPr>
+        <p:style>
+          <a:lnRef idx="2">
+            <a:schemeClr val="accent1">
+              <a:shade val="50000"/>
+            </a:schemeClr>
+          </a:lnRef>
+          <a:fillRef idx="1">
+            <a:schemeClr val="accent1"/>
+          </a:fillRef>
+          <a:effectRef idx="0">
+            <a:schemeClr val="accent1"/>
+          </a:effectRef>
+          <a:fontRef idx="minor">
+            <a:schemeClr val="lt1"/>
+          </a:fontRef>
+        </p:style>
+        <p:txBody>
+          <a:bodyPr rtlCol="0" anchor="ctr"/>
+          <a:lstStyle/>
+          <a:p>
+            <a:pPr algn="ctr"/>
+            <a:r>
+              <a:rPr lang="de-DE" sz="2800" dirty="0">
+                <a:latin typeface="Mandatory" panose="02000400000000000000" pitchFamily="50" charset="0"/>
+              </a:rPr>
+              <a:t>Produktinnovation</a:t>
+            </a:r>
+          </a:p>
+        </p:txBody>
+      </p:sp>
+      <p:sp>
+        <p:nvSpPr>
+          <p:cNvPr id="7" name="Rechteck 6">
+            <a:extLst>
+              <a:ext uri="{FF2B5EF4-FFF2-40B4-BE49-F238E27FC236}">
+                <a16:creationId xmlns:a16="http://schemas.microsoft.com/office/drawing/2014/main" id="{B7CD4E01-3C17-4FF9-8314-F1D05C61958C}"/>
+              </a:ext>
+            </a:extLst>
+          </p:cNvPr>
+          <p:cNvSpPr/>
+          <p:nvPr/>
+        </p:nvSpPr>
+        <p:spPr>
+          <a:xfrm>
+            <a:off x="6872286" y="4940804"/>
+            <a:ext cx="3939898" cy="1108683"/>
+          </a:xfrm>
+          <a:prstGeom prst="rect">
+            <a:avLst/>
+          </a:prstGeom>
+          <a:solidFill>
+            <a:schemeClr val="bg2">
+              <a:lumMod val="75000"/>
+            </a:schemeClr>
+          </a:solidFill>
+          <a:ln>
+            <a:solidFill>
+              <a:schemeClr val="bg2">
+                <a:lumMod val="75000"/>
+              </a:schemeClr>
+            </a:solidFill>
+          </a:ln>
+        </p:spPr>
+        <p:style>
+          <a:lnRef idx="2">
+            <a:schemeClr val="accent1">
+              <a:shade val="50000"/>
+            </a:schemeClr>
+          </a:lnRef>
+          <a:fillRef idx="1">
+            <a:schemeClr val="accent1"/>
+          </a:fillRef>
+          <a:effectRef idx="0">
+            <a:schemeClr val="accent1"/>
+          </a:effectRef>
+          <a:fontRef idx="minor">
+            <a:schemeClr val="lt1"/>
+          </a:fontRef>
+        </p:style>
+        <p:txBody>
+          <a:bodyPr rtlCol="0" anchor="ctr"/>
+          <a:lstStyle/>
+          <a:p>
+            <a:pPr algn="ctr"/>
+            <a:r>
+              <a:rPr lang="de-DE" sz="2800" dirty="0">
+                <a:latin typeface="Mandatory" panose="02000400000000000000" pitchFamily="50" charset="0"/>
+              </a:rPr>
+              <a:t>Neuer Markt</a:t>
+            </a:r>
+          </a:p>
+        </p:txBody>
+      </p:sp>
+    </p:spTree>
+    <p:extLst>
+      <p:ext uri="{BB962C8B-B14F-4D97-AF65-F5344CB8AC3E}">
+        <p14:creationId xmlns:p14="http://schemas.microsoft.com/office/powerpoint/2010/main" val="1157635540"/>
+      </p:ext>
+    </p:extLst>
+  </p:cSld>
+  <p:clrMapOvr>
+    <a:masterClrMapping/>
+  </p:clrMapOvr>
+</p:sld>
+</file>
+
+<file path=ppt/slides/slide13.xml><?xml version="1.0" encoding="utf-8"?>
+<p:sld xmlns:a="http://schemas.openxmlformats.org/drawingml/2006/main" xmlns:r="http://schemas.openxmlformats.org/officeDocument/2006/relationships" xmlns:p="http://schemas.openxmlformats.org/presentationml/2006/main">
+  <p:cSld>
+    <p:spTree>
+      <p:nvGrpSpPr>
+        <p:cNvPr id="1" name=""/>
+        <p:cNvGrpSpPr/>
+        <p:nvPr/>
+      </p:nvGrpSpPr>
+      <p:grpSpPr>
+        <a:xfrm>
+          <a:off x="0" y="0"/>
+          <a:ext cx="0" cy="0"/>
+          <a:chOff x="0" y="0"/>
+          <a:chExt cx="0" cy="0"/>
+        </a:xfrm>
+      </p:grpSpPr>
+      <p:sp>
+        <p:nvSpPr>
           <p:cNvPr id="2" name="Rechteck 1">
             <a:extLst>
               <a:ext uri="{FF2B5EF4-FFF2-40B4-BE49-F238E27FC236}">
@@ -2636,7 +6532,7 @@
 </p:sld>
 </file>
 
-<file path=ppt/slides/slide11.xml><?xml version="1.0" encoding="utf-8"?>
+<file path=ppt/slides/slide14.xml><?xml version="1.0" encoding="utf-8"?>
 <p:sld xmlns:a="http://schemas.openxmlformats.org/drawingml/2006/main" xmlns:r="http://schemas.openxmlformats.org/officeDocument/2006/relationships" xmlns:p="http://schemas.openxmlformats.org/presentationml/2006/main">
   <p:cSld>
     <p:spTree>
@@ -3105,7 +7001,140 @@
 </p:sld>
 </file>
 
-<file path=ppt/slides/slide12.xml><?xml version="1.0" encoding="utf-8"?>
+<file path=ppt/slides/slide15.xml><?xml version="1.0" encoding="utf-8"?>
+<p:sld xmlns:a="http://schemas.openxmlformats.org/drawingml/2006/main" xmlns:r="http://schemas.openxmlformats.org/officeDocument/2006/relationships" xmlns:p="http://schemas.openxmlformats.org/presentationml/2006/main">
+  <p:cSld>
+    <p:spTree>
+      <p:nvGrpSpPr>
+        <p:cNvPr id="1" name=""/>
+        <p:cNvGrpSpPr/>
+        <p:nvPr/>
+      </p:nvGrpSpPr>
+      <p:grpSpPr>
+        <a:xfrm>
+          <a:off x="0" y="0"/>
+          <a:ext cx="0" cy="0"/>
+          <a:chOff x="0" y="0"/>
+          <a:chExt cx="0" cy="0"/>
+        </a:xfrm>
+      </p:grpSpPr>
+      <p:sp>
+        <p:nvSpPr>
+          <p:cNvPr id="2" name="Titel 1">
+            <a:extLst>
+              <a:ext uri="{FF2B5EF4-FFF2-40B4-BE49-F238E27FC236}">
+                <a16:creationId xmlns:a16="http://schemas.microsoft.com/office/drawing/2014/main" id="{30BAA323-15F7-4048-92AC-066FF66BA737}"/>
+              </a:ext>
+            </a:extLst>
+          </p:cNvPr>
+          <p:cNvSpPr>
+            <a:spLocks noGrp="1"/>
+          </p:cNvSpPr>
+          <p:nvPr>
+            <p:ph type="title"/>
+          </p:nvPr>
+        </p:nvSpPr>
+        <p:spPr/>
+        <p:txBody>
+          <a:bodyPr>
+            <a:normAutofit fontScale="90000"/>
+          </a:bodyPr>
+          <a:lstStyle/>
+          <a:p>
+            <a:r>
+              <a:rPr lang="de-DE" dirty="0"/>
+              <a:t>Euer Markt</a:t>
+            </a:r>
+          </a:p>
+        </p:txBody>
+      </p:sp>
+      <p:graphicFrame>
+        <p:nvGraphicFramePr>
+          <p:cNvPr id="4" name="Diagramm 3">
+            <a:extLst>
+              <a:ext uri="{FF2B5EF4-FFF2-40B4-BE49-F238E27FC236}">
+                <a16:creationId xmlns:a16="http://schemas.microsoft.com/office/drawing/2014/main" id="{F9AA5D4F-54E3-4DEF-B46D-0C6D3C3E5CD9}"/>
+              </a:ext>
+            </a:extLst>
+          </p:cNvPr>
+          <p:cNvGraphicFramePr/>
+          <p:nvPr>
+            <p:extLst>
+              <p:ext uri="{D42A27DB-BD31-4B8C-83A1-F6EECF244321}">
+                <p14:modId xmlns:p14="http://schemas.microsoft.com/office/powerpoint/2010/main" val="1803100468"/>
+              </p:ext>
+            </p:extLst>
+          </p:nvPr>
+        </p:nvGraphicFramePr>
+        <p:xfrm>
+          <a:off x="1064335" y="1296140"/>
+          <a:ext cx="6739137" cy="4619286"/>
+        </p:xfrm>
+        <a:graphic>
+          <a:graphicData uri="http://schemas.openxmlformats.org/drawingml/2006/diagram">
+            <dgm:relIds xmlns:dgm="http://schemas.openxmlformats.org/drawingml/2006/diagram" xmlns:r="http://schemas.openxmlformats.org/officeDocument/2006/relationships" r:dm="rId2" r:lo="rId3" r:qs="rId4" r:cs="rId5"/>
+          </a:graphicData>
+        </a:graphic>
+      </p:graphicFrame>
+      <p:pic>
+        <p:nvPicPr>
+          <p:cNvPr id="1028" name="Picture 4" descr="Bildergebnis fÃ¼r sv sparkassenversicherung">
+            <a:extLst>
+              <a:ext uri="{FF2B5EF4-FFF2-40B4-BE49-F238E27FC236}">
+                <a16:creationId xmlns:a16="http://schemas.microsoft.com/office/drawing/2014/main" id="{C5ED1578-23A2-4D72-92CF-DD463C69B653}"/>
+              </a:ext>
+            </a:extLst>
+          </p:cNvPr>
+          <p:cNvPicPr>
+            <a:picLocks noChangeAspect="1" noChangeArrowheads="1"/>
+          </p:cNvPicPr>
+          <p:nvPr/>
+        </p:nvPicPr>
+        <p:blipFill rotWithShape="1">
+          <a:blip r:embed="rId7">
+            <a:extLst>
+              <a:ext uri="{28A0092B-C50C-407E-A947-70E740481C1C}">
+                <a14:useLocalDpi xmlns:a14="http://schemas.microsoft.com/office/drawing/2010/main" val="0"/>
+              </a:ext>
+            </a:extLst>
+          </a:blip>
+          <a:srcRect l="1" t="22179" r="-1507" b="19027"/>
+          <a:stretch/>
+        </p:blipFill>
+        <p:spPr bwMode="auto">
+          <a:xfrm>
+            <a:off x="5676043" y="64967"/>
+            <a:ext cx="2701338" cy="804654"/>
+          </a:xfrm>
+          <a:prstGeom prst="rect">
+            <a:avLst/>
+          </a:prstGeom>
+          <a:noFill/>
+          <a:extLst>
+            <a:ext uri="{909E8E84-426E-40DD-AFC4-6F175D3DCCD1}">
+              <a14:hiddenFill xmlns:a14="http://schemas.microsoft.com/office/drawing/2010/main">
+                <a:solidFill>
+                  <a:srgbClr val="FFFFFF"/>
+                </a:solidFill>
+              </a14:hiddenFill>
+            </a:ext>
+          </a:extLst>
+        </p:spPr>
+      </p:pic>
+    </p:spTree>
+    <p:extLst>
+      <p:ext uri="{BB962C8B-B14F-4D97-AF65-F5344CB8AC3E}">
+        <p14:creationId xmlns:p14="http://schemas.microsoft.com/office/powerpoint/2010/main" val="2820048745"/>
+      </p:ext>
+    </p:extLst>
+  </p:cSld>
+  <p:clrMapOvr>
+    <a:masterClrMapping/>
+  </p:clrMapOvr>
+</p:sld>
+</file>
+
+<file path=ppt/slides/slide16.xml><?xml version="1.0" encoding="utf-8"?>
 <p:sld xmlns:a="http://schemas.openxmlformats.org/drawingml/2006/main" xmlns:r="http://schemas.openxmlformats.org/officeDocument/2006/relationships" xmlns:p="http://schemas.openxmlformats.org/presentationml/2006/main">
   <p:cSld>
     <p:spTree>
@@ -3171,7 +7200,7 @@
 </p:sld>
 </file>
 
-<file path=ppt/slides/slide13.xml><?xml version="1.0" encoding="utf-8"?>
+<file path=ppt/slides/slide17.xml><?xml version="1.0" encoding="utf-8"?>
 <p:sld xmlns:a="http://schemas.openxmlformats.org/drawingml/2006/main" xmlns:r="http://schemas.openxmlformats.org/officeDocument/2006/relationships" xmlns:p="http://schemas.openxmlformats.org/presentationml/2006/main">
   <p:cSld>
     <p:spTree>
@@ -3616,7 +7645,7 @@
 </p:sld>
 </file>
 
-<file path=ppt/slides/slide14.xml><?xml version="1.0" encoding="utf-8"?>
+<file path=ppt/slides/slide18.xml><?xml version="1.0" encoding="utf-8"?>
 <p:sld xmlns:a="http://schemas.openxmlformats.org/drawingml/2006/main" xmlns:r="http://schemas.openxmlformats.org/officeDocument/2006/relationships" xmlns:p="http://schemas.openxmlformats.org/presentationml/2006/main">
   <p:cSld>
     <p:spTree>
@@ -5478,7 +9507,7 @@
           <p:cNvPr id="2" name="Titel 1">
             <a:extLst>
               <a:ext uri="{FF2B5EF4-FFF2-40B4-BE49-F238E27FC236}">
-                <a16:creationId xmlns:a16="http://schemas.microsoft.com/office/drawing/2014/main" id="{FAE15A0D-1D59-4155-B9B3-9F7432EB0AFF}"/>
+                <a16:creationId xmlns:a16="http://schemas.microsoft.com/office/drawing/2014/main" id="{BF7EC7FE-C0B3-42E2-862F-1C914449E483}"/>
               </a:ext>
             </a:extLst>
           </p:cNvPr>
@@ -5498,7 +9527,7 @@
           <a:p>
             <a:r>
               <a:rPr lang="de-DE" dirty="0" err="1"/>
-              <a:t>Challenges</a:t>
+              <a:t>Challanges</a:t>
             </a:r>
             <a:r>
               <a:rPr lang="de-DE" dirty="0"/>
@@ -5514,10 +9543,10 @@
       </p:sp>
       <p:pic>
         <p:nvPicPr>
-          <p:cNvPr id="5" name="Grafik 4">
+          <p:cNvPr id="4" name="Grafik 3">
             <a:extLst>
               <a:ext uri="{FF2B5EF4-FFF2-40B4-BE49-F238E27FC236}">
-                <a16:creationId xmlns:a16="http://schemas.microsoft.com/office/drawing/2014/main" id="{20A83DFD-0A4C-462E-9C9F-6C0401CF6498}"/>
+                <a16:creationId xmlns:a16="http://schemas.microsoft.com/office/drawing/2014/main" id="{27904967-9A88-4237-A471-7631E5D00C5E}"/>
               </a:ext>
             </a:extLst>
           </p:cNvPr>
@@ -5540,144 +9569,18 @@
         </p:blipFill>
         <p:spPr>
           <a:xfrm>
-            <a:off x="3103784" y="1362249"/>
-            <a:ext cx="5984432" cy="3366243"/>
+            <a:off x="3127424" y="1239336"/>
+            <a:ext cx="4090327" cy="2302854"/>
           </a:xfrm>
           <a:prstGeom prst="rect">
             <a:avLst/>
           </a:prstGeom>
         </p:spPr>
       </p:pic>
-      <p:sp>
-        <p:nvSpPr>
-          <p:cNvPr id="6" name="Rechteck 5">
-            <a:extLst>
-              <a:ext uri="{FF2B5EF4-FFF2-40B4-BE49-F238E27FC236}">
-                <a16:creationId xmlns:a16="http://schemas.microsoft.com/office/drawing/2014/main" id="{2A3F5144-6F1B-46B9-874F-1F2C219D538F}"/>
-              </a:ext>
-            </a:extLst>
-          </p:cNvPr>
-          <p:cNvSpPr/>
-          <p:nvPr/>
-        </p:nvSpPr>
-        <p:spPr>
-          <a:xfrm>
-            <a:off x="969632" y="4973968"/>
-            <a:ext cx="3939898" cy="1108683"/>
-          </a:xfrm>
-          <a:prstGeom prst="rect">
-            <a:avLst/>
-          </a:prstGeom>
-          <a:solidFill>
-            <a:schemeClr val="bg2">
-              <a:lumMod val="75000"/>
-            </a:schemeClr>
-          </a:solidFill>
-          <a:ln>
-            <a:solidFill>
-              <a:schemeClr val="bg2">
-                <a:lumMod val="75000"/>
-              </a:schemeClr>
-            </a:solidFill>
-          </a:ln>
-        </p:spPr>
-        <p:style>
-          <a:lnRef idx="2">
-            <a:schemeClr val="accent1">
-              <a:shade val="50000"/>
-            </a:schemeClr>
-          </a:lnRef>
-          <a:fillRef idx="1">
-            <a:schemeClr val="accent1"/>
-          </a:fillRef>
-          <a:effectRef idx="0">
-            <a:schemeClr val="accent1"/>
-          </a:effectRef>
-          <a:fontRef idx="minor">
-            <a:schemeClr val="lt1"/>
-          </a:fontRef>
-        </p:style>
-        <p:txBody>
-          <a:bodyPr rtlCol="0" anchor="ctr"/>
-          <a:lstStyle/>
-          <a:p>
-            <a:pPr algn="ctr"/>
-            <a:r>
-              <a:rPr lang="de-DE" sz="2800" dirty="0">
-                <a:latin typeface="Mandatory" panose="02000400000000000000" pitchFamily="50" charset="0"/>
-              </a:rPr>
-              <a:t>Produktinnovation</a:t>
-            </a:r>
-          </a:p>
-        </p:txBody>
-      </p:sp>
-      <p:sp>
-        <p:nvSpPr>
-          <p:cNvPr id="7" name="Rechteck 6">
-            <a:extLst>
-              <a:ext uri="{FF2B5EF4-FFF2-40B4-BE49-F238E27FC236}">
-                <a16:creationId xmlns:a16="http://schemas.microsoft.com/office/drawing/2014/main" id="{B7CD4E01-3C17-4FF9-8314-F1D05C61958C}"/>
-              </a:ext>
-            </a:extLst>
-          </p:cNvPr>
-          <p:cNvSpPr/>
-          <p:nvPr/>
-        </p:nvSpPr>
-        <p:spPr>
-          <a:xfrm>
-            <a:off x="6872286" y="4940804"/>
-            <a:ext cx="3939898" cy="1108683"/>
-          </a:xfrm>
-          <a:prstGeom prst="rect">
-            <a:avLst/>
-          </a:prstGeom>
-          <a:solidFill>
-            <a:schemeClr val="bg2">
-              <a:lumMod val="75000"/>
-            </a:schemeClr>
-          </a:solidFill>
-          <a:ln>
-            <a:solidFill>
-              <a:schemeClr val="bg2">
-                <a:lumMod val="75000"/>
-              </a:schemeClr>
-            </a:solidFill>
-          </a:ln>
-        </p:spPr>
-        <p:style>
-          <a:lnRef idx="2">
-            <a:schemeClr val="accent1">
-              <a:shade val="50000"/>
-            </a:schemeClr>
-          </a:lnRef>
-          <a:fillRef idx="1">
-            <a:schemeClr val="accent1"/>
-          </a:fillRef>
-          <a:effectRef idx="0">
-            <a:schemeClr val="accent1"/>
-          </a:effectRef>
-          <a:fontRef idx="minor">
-            <a:schemeClr val="lt1"/>
-          </a:fontRef>
-        </p:style>
-        <p:txBody>
-          <a:bodyPr rtlCol="0" anchor="ctr"/>
-          <a:lstStyle/>
-          <a:p>
-            <a:pPr algn="ctr"/>
-            <a:r>
-              <a:rPr lang="de-DE" sz="2800" dirty="0">
-                <a:latin typeface="Mandatory" panose="02000400000000000000" pitchFamily="50" charset="0"/>
-              </a:rPr>
-              <a:t>Neuer Markt</a:t>
-            </a:r>
-          </a:p>
-        </p:txBody>
-      </p:sp>
     </p:spTree>
     <p:extLst>
       <p:ext uri="{BB962C8B-B14F-4D97-AF65-F5344CB8AC3E}">
-        <p14:creationId xmlns:p14="http://schemas.microsoft.com/office/powerpoint/2010/main" val="1157635540"/>
+        <p14:creationId xmlns:p14="http://schemas.microsoft.com/office/powerpoint/2010/main" val="2909184183"/>
       </p:ext>
     </p:extLst>
   </p:cSld>
